--- a/7_figures/figure_s2.pptx
+++ b/7_figures/figure_s2.pptx
@@ -2,15 +2,12 @@
 <file path=ppt/presentation.xml><?xml version="1.0" encoding="utf-8"?>
 <p:presentation xmlns:a="http://schemas.openxmlformats.org/drawingml/2006/main" xmlns:r="http://schemas.openxmlformats.org/officeDocument/2006/relationships" xmlns:p="http://schemas.openxmlformats.org/presentationml/2006/main" saveSubsetFonts="1" autoCompressPictures="0">
   <p:sldMasterIdLst>
-    <p:sldMasterId id="2147483684" r:id="rId1"/>
+    <p:sldMasterId id="2147483672" r:id="rId1"/>
   </p:sldMasterIdLst>
-  <p:notesMasterIdLst>
-    <p:notesMasterId r:id="rId3"/>
-  </p:notesMasterIdLst>
   <p:sldIdLst>
     <p:sldId id="256" r:id="rId2"/>
   </p:sldIdLst>
-  <p:sldSz cx="7315200" cy="9321800"/>
+  <p:sldSz cx="9144000" cy="4338638"/>
   <p:notesSz cx="6858000" cy="9144000"/>
   <p:defaultTextStyle>
     <a:defPPr>
@@ -115,439 +112,6 @@
 </p:presentation>
 </file>
 
-<file path=ppt/notesMasters/notesMaster1.xml><?xml version="1.0" encoding="utf-8"?>
-<p:notesMaster xmlns:a="http://schemas.openxmlformats.org/drawingml/2006/main" xmlns:r="http://schemas.openxmlformats.org/officeDocument/2006/relationships" xmlns:p="http://schemas.openxmlformats.org/presentationml/2006/main">
-  <p:cSld>
-    <p:bg>
-      <p:bgRef idx="1001">
-        <a:schemeClr val="bg1"/>
-      </p:bgRef>
-    </p:bg>
-    <p:spTree>
-      <p:nvGrpSpPr>
-        <p:cNvPr id="1" name=""/>
-        <p:cNvGrpSpPr/>
-        <p:nvPr/>
-      </p:nvGrpSpPr>
-      <p:grpSpPr>
-        <a:xfrm>
-          <a:off x="0" y="0"/>
-          <a:ext cx="0" cy="0"/>
-          <a:chOff x="0" y="0"/>
-          <a:chExt cx="0" cy="0"/>
-        </a:xfrm>
-      </p:grpSpPr>
-      <p:sp>
-        <p:nvSpPr>
-          <p:cNvPr id="2" name="Header Placeholder 1"/>
-          <p:cNvSpPr>
-            <a:spLocks noGrp="1"/>
-          </p:cNvSpPr>
-          <p:nvPr>
-            <p:ph type="hdr" sz="quarter"/>
-          </p:nvPr>
-        </p:nvSpPr>
-        <p:spPr>
-          <a:xfrm>
-            <a:off x="0" y="0"/>
-            <a:ext cx="2971800" cy="458788"/>
-          </a:xfrm>
-          <a:prstGeom prst="rect">
-            <a:avLst/>
-          </a:prstGeom>
-        </p:spPr>
-        <p:txBody>
-          <a:bodyPr vert="horz" lIns="91440" tIns="45720" rIns="91440" bIns="45720" rtlCol="0"/>
-          <a:lstStyle>
-            <a:lvl1pPr algn="l">
-              <a:defRPr sz="1200"/>
-            </a:lvl1pPr>
-          </a:lstStyle>
-          <a:p>
-            <a:endParaRPr lang="en-US"/>
-          </a:p>
-        </p:txBody>
-      </p:sp>
-      <p:sp>
-        <p:nvSpPr>
-          <p:cNvPr id="3" name="Date Placeholder 2"/>
-          <p:cNvSpPr>
-            <a:spLocks noGrp="1"/>
-          </p:cNvSpPr>
-          <p:nvPr>
-            <p:ph type="dt" idx="1"/>
-          </p:nvPr>
-        </p:nvSpPr>
-        <p:spPr>
-          <a:xfrm>
-            <a:off x="3884613" y="0"/>
-            <a:ext cx="2971800" cy="458788"/>
-          </a:xfrm>
-          <a:prstGeom prst="rect">
-            <a:avLst/>
-          </a:prstGeom>
-        </p:spPr>
-        <p:txBody>
-          <a:bodyPr vert="horz" lIns="91440" tIns="45720" rIns="91440" bIns="45720" rtlCol="0"/>
-          <a:lstStyle>
-            <a:lvl1pPr algn="r">
-              <a:defRPr sz="1200"/>
-            </a:lvl1pPr>
-          </a:lstStyle>
-          <a:p>
-            <a:fld id="{F2A69F8D-803C-2D4D-B3A3-3FA99EFF8879}" type="datetimeFigureOut">
-              <a:rPr lang="en-US" smtClean="0"/>
-              <a:t>7/24/20</a:t>
-            </a:fld>
-            <a:endParaRPr lang="en-US"/>
-          </a:p>
-        </p:txBody>
-      </p:sp>
-      <p:sp>
-        <p:nvSpPr>
-          <p:cNvPr id="4" name="Slide Image Placeholder 3"/>
-          <p:cNvSpPr>
-            <a:spLocks noGrp="1" noRot="1" noChangeAspect="1"/>
-          </p:cNvSpPr>
-          <p:nvPr>
-            <p:ph type="sldImg" idx="2"/>
-          </p:nvPr>
-        </p:nvSpPr>
-        <p:spPr>
-          <a:xfrm>
-            <a:off x="2217738" y="1143000"/>
-            <a:ext cx="2422525" cy="3086100"/>
-          </a:xfrm>
-          <a:prstGeom prst="rect">
-            <a:avLst/>
-          </a:prstGeom>
-          <a:noFill/>
-          <a:ln w="12700">
-            <a:solidFill>
-              <a:prstClr val="black"/>
-            </a:solidFill>
-          </a:ln>
-        </p:spPr>
-        <p:txBody>
-          <a:bodyPr vert="horz" lIns="91440" tIns="45720" rIns="91440" bIns="45720" rtlCol="0" anchor="ctr"/>
-          <a:lstStyle/>
-          <a:p>
-            <a:endParaRPr lang="en-US"/>
-          </a:p>
-        </p:txBody>
-      </p:sp>
-      <p:sp>
-        <p:nvSpPr>
-          <p:cNvPr id="5" name="Notes Placeholder 4"/>
-          <p:cNvSpPr>
-            <a:spLocks noGrp="1"/>
-          </p:cNvSpPr>
-          <p:nvPr>
-            <p:ph type="body" sz="quarter" idx="3"/>
-          </p:nvPr>
-        </p:nvSpPr>
-        <p:spPr>
-          <a:xfrm>
-            <a:off x="685800" y="4400550"/>
-            <a:ext cx="5486400" cy="3600450"/>
-          </a:xfrm>
-          <a:prstGeom prst="rect">
-            <a:avLst/>
-          </a:prstGeom>
-        </p:spPr>
-        <p:txBody>
-          <a:bodyPr vert="horz" lIns="91440" tIns="45720" rIns="91440" bIns="45720" rtlCol="0"/>
-          <a:lstStyle/>
-          <a:p>
-            <a:pPr lvl="0"/>
-            <a:r>
-              <a:rPr lang="en-US"/>
-              <a:t>Click to edit Master text styles</a:t>
-            </a:r>
-          </a:p>
-          <a:p>
-            <a:pPr lvl="1"/>
-            <a:r>
-              <a:rPr lang="en-US"/>
-              <a:t>Second level</a:t>
-            </a:r>
-          </a:p>
-          <a:p>
-            <a:pPr lvl="2"/>
-            <a:r>
-              <a:rPr lang="en-US"/>
-              <a:t>Third level</a:t>
-            </a:r>
-          </a:p>
-          <a:p>
-            <a:pPr lvl="3"/>
-            <a:r>
-              <a:rPr lang="en-US"/>
-              <a:t>Fourth level</a:t>
-            </a:r>
-          </a:p>
-          <a:p>
-            <a:pPr lvl="4"/>
-            <a:r>
-              <a:rPr lang="en-US"/>
-              <a:t>Fifth level</a:t>
-            </a:r>
-          </a:p>
-        </p:txBody>
-      </p:sp>
-      <p:sp>
-        <p:nvSpPr>
-          <p:cNvPr id="6" name="Footer Placeholder 5"/>
-          <p:cNvSpPr>
-            <a:spLocks noGrp="1"/>
-          </p:cNvSpPr>
-          <p:nvPr>
-            <p:ph type="ftr" sz="quarter" idx="4"/>
-          </p:nvPr>
-        </p:nvSpPr>
-        <p:spPr>
-          <a:xfrm>
-            <a:off x="0" y="8685213"/>
-            <a:ext cx="2971800" cy="458787"/>
-          </a:xfrm>
-          <a:prstGeom prst="rect">
-            <a:avLst/>
-          </a:prstGeom>
-        </p:spPr>
-        <p:txBody>
-          <a:bodyPr vert="horz" lIns="91440" tIns="45720" rIns="91440" bIns="45720" rtlCol="0" anchor="b"/>
-          <a:lstStyle>
-            <a:lvl1pPr algn="l">
-              <a:defRPr sz="1200"/>
-            </a:lvl1pPr>
-          </a:lstStyle>
-          <a:p>
-            <a:endParaRPr lang="en-US"/>
-          </a:p>
-        </p:txBody>
-      </p:sp>
-      <p:sp>
-        <p:nvSpPr>
-          <p:cNvPr id="7" name="Slide Number Placeholder 6"/>
-          <p:cNvSpPr>
-            <a:spLocks noGrp="1"/>
-          </p:cNvSpPr>
-          <p:nvPr>
-            <p:ph type="sldNum" sz="quarter" idx="5"/>
-          </p:nvPr>
-        </p:nvSpPr>
-        <p:spPr>
-          <a:xfrm>
-            <a:off x="3884613" y="8685213"/>
-            <a:ext cx="2971800" cy="458787"/>
-          </a:xfrm>
-          <a:prstGeom prst="rect">
-            <a:avLst/>
-          </a:prstGeom>
-        </p:spPr>
-        <p:txBody>
-          <a:bodyPr vert="horz" lIns="91440" tIns="45720" rIns="91440" bIns="45720" rtlCol="0" anchor="b"/>
-          <a:lstStyle>
-            <a:lvl1pPr algn="r">
-              <a:defRPr sz="1200"/>
-            </a:lvl1pPr>
-          </a:lstStyle>
-          <a:p>
-            <a:fld id="{4B1319B3-46FC-D84D-98AF-315F00D1B556}" type="slidenum">
-              <a:rPr lang="en-US" smtClean="0"/>
-              <a:t>‹#›</a:t>
-            </a:fld>
-            <a:endParaRPr lang="en-US"/>
-          </a:p>
-        </p:txBody>
-      </p:sp>
-    </p:spTree>
-    <p:extLst>
-      <p:ext uri="{BB962C8B-B14F-4D97-AF65-F5344CB8AC3E}">
-        <p14:creationId xmlns:p14="http://schemas.microsoft.com/office/powerpoint/2010/main" val="3471120055"/>
-      </p:ext>
-    </p:extLst>
-  </p:cSld>
-  <p:clrMap bg1="lt1" tx1="dk1" bg2="lt2" tx2="dk2" accent1="accent1" accent2="accent2" accent3="accent3" accent4="accent4" accent5="accent5" accent6="accent6" hlink="hlink" folHlink="folHlink"/>
-  <p:notesStyle>
-    <a:lvl1pPr marL="0" algn="l" defTabSz="914400" rtl="0" eaLnBrk="1" latinLnBrk="0" hangingPunct="1">
-      <a:defRPr sz="1200" kern="1200">
-        <a:solidFill>
-          <a:schemeClr val="tx1"/>
-        </a:solidFill>
-        <a:latin typeface="+mn-lt"/>
-        <a:ea typeface="+mn-ea"/>
-        <a:cs typeface="+mn-cs"/>
-      </a:defRPr>
-    </a:lvl1pPr>
-    <a:lvl2pPr marL="457200" algn="l" defTabSz="914400" rtl="0" eaLnBrk="1" latinLnBrk="0" hangingPunct="1">
-      <a:defRPr sz="1200" kern="1200">
-        <a:solidFill>
-          <a:schemeClr val="tx1"/>
-        </a:solidFill>
-        <a:latin typeface="+mn-lt"/>
-        <a:ea typeface="+mn-ea"/>
-        <a:cs typeface="+mn-cs"/>
-      </a:defRPr>
-    </a:lvl2pPr>
-    <a:lvl3pPr marL="914400" algn="l" defTabSz="914400" rtl="0" eaLnBrk="1" latinLnBrk="0" hangingPunct="1">
-      <a:defRPr sz="1200" kern="1200">
-        <a:solidFill>
-          <a:schemeClr val="tx1"/>
-        </a:solidFill>
-        <a:latin typeface="+mn-lt"/>
-        <a:ea typeface="+mn-ea"/>
-        <a:cs typeface="+mn-cs"/>
-      </a:defRPr>
-    </a:lvl3pPr>
-    <a:lvl4pPr marL="1371600" algn="l" defTabSz="914400" rtl="0" eaLnBrk="1" latinLnBrk="0" hangingPunct="1">
-      <a:defRPr sz="1200" kern="1200">
-        <a:solidFill>
-          <a:schemeClr val="tx1"/>
-        </a:solidFill>
-        <a:latin typeface="+mn-lt"/>
-        <a:ea typeface="+mn-ea"/>
-        <a:cs typeface="+mn-cs"/>
-      </a:defRPr>
-    </a:lvl4pPr>
-    <a:lvl5pPr marL="1828800" algn="l" defTabSz="914400" rtl="0" eaLnBrk="1" latinLnBrk="0" hangingPunct="1">
-      <a:defRPr sz="1200" kern="1200">
-        <a:solidFill>
-          <a:schemeClr val="tx1"/>
-        </a:solidFill>
-        <a:latin typeface="+mn-lt"/>
-        <a:ea typeface="+mn-ea"/>
-        <a:cs typeface="+mn-cs"/>
-      </a:defRPr>
-    </a:lvl5pPr>
-    <a:lvl6pPr marL="2286000" algn="l" defTabSz="914400" rtl="0" eaLnBrk="1" latinLnBrk="0" hangingPunct="1">
-      <a:defRPr sz="1200" kern="1200">
-        <a:solidFill>
-          <a:schemeClr val="tx1"/>
-        </a:solidFill>
-        <a:latin typeface="+mn-lt"/>
-        <a:ea typeface="+mn-ea"/>
-        <a:cs typeface="+mn-cs"/>
-      </a:defRPr>
-    </a:lvl6pPr>
-    <a:lvl7pPr marL="2743200" algn="l" defTabSz="914400" rtl="0" eaLnBrk="1" latinLnBrk="0" hangingPunct="1">
-      <a:defRPr sz="1200" kern="1200">
-        <a:solidFill>
-          <a:schemeClr val="tx1"/>
-        </a:solidFill>
-        <a:latin typeface="+mn-lt"/>
-        <a:ea typeface="+mn-ea"/>
-        <a:cs typeface="+mn-cs"/>
-      </a:defRPr>
-    </a:lvl7pPr>
-    <a:lvl8pPr marL="3200400" algn="l" defTabSz="914400" rtl="0" eaLnBrk="1" latinLnBrk="0" hangingPunct="1">
-      <a:defRPr sz="1200" kern="1200">
-        <a:solidFill>
-          <a:schemeClr val="tx1"/>
-        </a:solidFill>
-        <a:latin typeface="+mn-lt"/>
-        <a:ea typeface="+mn-ea"/>
-        <a:cs typeface="+mn-cs"/>
-      </a:defRPr>
-    </a:lvl8pPr>
-    <a:lvl9pPr marL="3657600" algn="l" defTabSz="914400" rtl="0" eaLnBrk="1" latinLnBrk="0" hangingPunct="1">
-      <a:defRPr sz="1200" kern="1200">
-        <a:solidFill>
-          <a:schemeClr val="tx1"/>
-        </a:solidFill>
-        <a:latin typeface="+mn-lt"/>
-        <a:ea typeface="+mn-ea"/>
-        <a:cs typeface="+mn-cs"/>
-      </a:defRPr>
-    </a:lvl9pPr>
-  </p:notesStyle>
-</p:notesMaster>
-</file>
-
-<file path=ppt/notesSlides/notesSlide1.xml><?xml version="1.0" encoding="utf-8"?>
-<p:notes xmlns:a="http://schemas.openxmlformats.org/drawingml/2006/main" xmlns:r="http://schemas.openxmlformats.org/officeDocument/2006/relationships" xmlns:p="http://schemas.openxmlformats.org/presentationml/2006/main">
-  <p:cSld>
-    <p:spTree>
-      <p:nvGrpSpPr>
-        <p:cNvPr id="1" name=""/>
-        <p:cNvGrpSpPr/>
-        <p:nvPr/>
-      </p:nvGrpSpPr>
-      <p:grpSpPr>
-        <a:xfrm>
-          <a:off x="0" y="0"/>
-          <a:ext cx="0" cy="0"/>
-          <a:chOff x="0" y="0"/>
-          <a:chExt cx="0" cy="0"/>
-        </a:xfrm>
-      </p:grpSpPr>
-      <p:sp>
-        <p:nvSpPr>
-          <p:cNvPr id="2" name="Slide Image Placeholder 1"/>
-          <p:cNvSpPr>
-            <a:spLocks noGrp="1" noRot="1" noChangeAspect="1"/>
-          </p:cNvSpPr>
-          <p:nvPr>
-            <p:ph type="sldImg"/>
-          </p:nvPr>
-        </p:nvSpPr>
-        <p:spPr/>
-      </p:sp>
-      <p:sp>
-        <p:nvSpPr>
-          <p:cNvPr id="3" name="Notes Placeholder 2"/>
-          <p:cNvSpPr>
-            <a:spLocks noGrp="1"/>
-          </p:cNvSpPr>
-          <p:nvPr>
-            <p:ph type="body" idx="1"/>
-          </p:nvPr>
-        </p:nvSpPr>
-        <p:spPr/>
-        <p:txBody>
-          <a:bodyPr/>
-          <a:lstStyle/>
-          <a:p>
-            <a:endParaRPr lang="en-US" dirty="0"/>
-          </a:p>
-        </p:txBody>
-      </p:sp>
-      <p:sp>
-        <p:nvSpPr>
-          <p:cNvPr id="4" name="Slide Number Placeholder 3"/>
-          <p:cNvSpPr>
-            <a:spLocks noGrp="1"/>
-          </p:cNvSpPr>
-          <p:nvPr>
-            <p:ph type="sldNum" sz="quarter" idx="5"/>
-          </p:nvPr>
-        </p:nvSpPr>
-        <p:spPr/>
-        <p:txBody>
-          <a:bodyPr/>
-          <a:lstStyle/>
-          <a:p>
-            <a:fld id="{4B1319B3-46FC-D84D-98AF-315F00D1B556}" type="slidenum">
-              <a:rPr lang="en-US" smtClean="0"/>
-              <a:t>1</a:t>
-            </a:fld>
-            <a:endParaRPr lang="en-US"/>
-          </a:p>
-        </p:txBody>
-      </p:sp>
-    </p:spTree>
-    <p:extLst>
-      <p:ext uri="{BB962C8B-B14F-4D97-AF65-F5344CB8AC3E}">
-        <p14:creationId xmlns:p14="http://schemas.microsoft.com/office/powerpoint/2010/main" val="2635321953"/>
-      </p:ext>
-    </p:extLst>
-  </p:cSld>
-  <p:clrMapOvr>
-    <a:masterClrMapping/>
-  </p:clrMapOvr>
-</p:notes>
-</file>
-
 <file path=ppt/slideLayouts/slideLayout1.xml><?xml version="1.0" encoding="utf-8"?>
 <p:sldLayout xmlns:a="http://schemas.openxmlformats.org/drawingml/2006/main" xmlns:r="http://schemas.openxmlformats.org/officeDocument/2006/relationships" xmlns:p="http://schemas.openxmlformats.org/presentationml/2006/main" type="title" preserve="1">
   <p:cSld name="Title Slide">
@@ -577,15 +141,15 @@
         </p:nvSpPr>
         <p:spPr>
           <a:xfrm>
-            <a:off x="548640" y="1525583"/>
-            <a:ext cx="6217920" cy="3245367"/>
+            <a:off x="1143000" y="710050"/>
+            <a:ext cx="6858000" cy="1510489"/>
           </a:xfrm>
         </p:spPr>
         <p:txBody>
           <a:bodyPr anchor="b"/>
           <a:lstStyle>
             <a:lvl1pPr algn="ctr">
-              <a:defRPr sz="4800"/>
+              <a:defRPr sz="3796"/>
             </a:lvl1pPr>
           </a:lstStyle>
           <a:p>
@@ -609,8 +173,8 @@
         </p:nvSpPr>
         <p:spPr>
           <a:xfrm>
-            <a:off x="914400" y="4896103"/>
-            <a:ext cx="5486400" cy="2250610"/>
+            <a:off x="1143000" y="2278789"/>
+            <a:ext cx="6858000" cy="1047500"/>
           </a:xfrm>
         </p:spPr>
         <p:txBody>
@@ -618,39 +182,39 @@
           <a:lstStyle>
             <a:lvl1pPr marL="0" indent="0" algn="ctr">
               <a:buNone/>
-              <a:defRPr sz="1920"/>
+              <a:defRPr sz="1518"/>
             </a:lvl1pPr>
-            <a:lvl2pPr marL="365760" indent="0" algn="ctr">
-              <a:buNone/>
-              <a:defRPr sz="1600"/>
+            <a:lvl2pPr marL="289225" indent="0" algn="ctr">
+              <a:buNone/>
+              <a:defRPr sz="1265"/>
             </a:lvl2pPr>
-            <a:lvl3pPr marL="731520" indent="0" algn="ctr">
-              <a:buNone/>
-              <a:defRPr sz="1440"/>
+            <a:lvl3pPr marL="578449" indent="0" algn="ctr">
+              <a:buNone/>
+              <a:defRPr sz="1139"/>
             </a:lvl3pPr>
-            <a:lvl4pPr marL="1097280" indent="0" algn="ctr">
-              <a:buNone/>
-              <a:defRPr sz="1280"/>
+            <a:lvl4pPr marL="867674" indent="0" algn="ctr">
+              <a:buNone/>
+              <a:defRPr sz="1012"/>
             </a:lvl4pPr>
-            <a:lvl5pPr marL="1463040" indent="0" algn="ctr">
-              <a:buNone/>
-              <a:defRPr sz="1280"/>
+            <a:lvl5pPr marL="1156899" indent="0" algn="ctr">
+              <a:buNone/>
+              <a:defRPr sz="1012"/>
             </a:lvl5pPr>
-            <a:lvl6pPr marL="1828800" indent="0" algn="ctr">
-              <a:buNone/>
-              <a:defRPr sz="1280"/>
+            <a:lvl6pPr marL="1446124" indent="0" algn="ctr">
+              <a:buNone/>
+              <a:defRPr sz="1012"/>
             </a:lvl6pPr>
-            <a:lvl7pPr marL="2194560" indent="0" algn="ctr">
-              <a:buNone/>
-              <a:defRPr sz="1280"/>
+            <a:lvl7pPr marL="1735348" indent="0" algn="ctr">
+              <a:buNone/>
+              <a:defRPr sz="1012"/>
             </a:lvl7pPr>
-            <a:lvl8pPr marL="2560320" indent="0" algn="ctr">
-              <a:buNone/>
-              <a:defRPr sz="1280"/>
+            <a:lvl8pPr marL="2024573" indent="0" algn="ctr">
+              <a:buNone/>
+              <a:defRPr sz="1012"/>
             </a:lvl8pPr>
-            <a:lvl9pPr marL="2926080" indent="0" algn="ctr">
-              <a:buNone/>
-              <a:defRPr sz="1280"/>
+            <a:lvl9pPr marL="2313798" indent="0" algn="ctr">
+              <a:buNone/>
+              <a:defRPr sz="1012"/>
             </a:lvl9pPr>
           </a:lstStyle>
           <a:p>
@@ -677,9 +241,9 @@
           <a:bodyPr/>
           <a:lstStyle/>
           <a:p>
-            <a:fld id="{D20F9C60-C75C-2344-ADD7-BEB6F1FB8696}" type="datetimeFigureOut">
+            <a:fld id="{B3FD49CD-0034-0441-84C5-BD61FA025A57}" type="datetimeFigureOut">
               <a:rPr lang="en-US" smtClean="0"/>
-              <a:t>7/24/20</a:t>
+              <a:t>12/15/20</a:t>
             </a:fld>
             <a:endParaRPr lang="en-US"/>
           </a:p>
@@ -719,7 +283,7 @@
           <a:bodyPr/>
           <a:lstStyle/>
           <a:p>
-            <a:fld id="{50A6DB94-3934-1241-B6AA-C2377CAD40C3}" type="slidenum">
+            <a:fld id="{FBC658B5-A350-DE4B-8B29-42402953F3E0}" type="slidenum">
               <a:rPr lang="en-US" smtClean="0"/>
               <a:t>‹#›</a:t>
             </a:fld>
@@ -730,7 +294,7 @@
     </p:spTree>
     <p:extLst>
       <p:ext uri="{BB962C8B-B14F-4D97-AF65-F5344CB8AC3E}">
-        <p14:creationId xmlns:p14="http://schemas.microsoft.com/office/powerpoint/2010/main" val="1571156411"/>
+        <p14:creationId xmlns:p14="http://schemas.microsoft.com/office/powerpoint/2010/main" val="124492218"/>
       </p:ext>
     </p:extLst>
   </p:cSld>
@@ -847,9 +411,9 @@
           <a:bodyPr/>
           <a:lstStyle/>
           <a:p>
-            <a:fld id="{D20F9C60-C75C-2344-ADD7-BEB6F1FB8696}" type="datetimeFigureOut">
+            <a:fld id="{B3FD49CD-0034-0441-84C5-BD61FA025A57}" type="datetimeFigureOut">
               <a:rPr lang="en-US" smtClean="0"/>
-              <a:t>7/24/20</a:t>
+              <a:t>12/15/20</a:t>
             </a:fld>
             <a:endParaRPr lang="en-US"/>
           </a:p>
@@ -889,7 +453,7 @@
           <a:bodyPr/>
           <a:lstStyle/>
           <a:p>
-            <a:fld id="{50A6DB94-3934-1241-B6AA-C2377CAD40C3}" type="slidenum">
+            <a:fld id="{FBC658B5-A350-DE4B-8B29-42402953F3E0}" type="slidenum">
               <a:rPr lang="en-US" smtClean="0"/>
               <a:t>‹#›</a:t>
             </a:fld>
@@ -900,7 +464,7 @@
     </p:spTree>
     <p:extLst>
       <p:ext uri="{BB962C8B-B14F-4D97-AF65-F5344CB8AC3E}">
-        <p14:creationId xmlns:p14="http://schemas.microsoft.com/office/powerpoint/2010/main" val="682434379"/>
+        <p14:creationId xmlns:p14="http://schemas.microsoft.com/office/powerpoint/2010/main" val="1586681534"/>
       </p:ext>
     </p:extLst>
   </p:cSld>
@@ -939,8 +503,8 @@
         </p:nvSpPr>
         <p:spPr>
           <a:xfrm>
-            <a:off x="5234940" y="496299"/>
-            <a:ext cx="1577340" cy="7899795"/>
+            <a:off x="6543675" y="230992"/>
+            <a:ext cx="1971675" cy="3676795"/>
           </a:xfrm>
         </p:spPr>
         <p:txBody>
@@ -967,8 +531,8 @@
         </p:nvSpPr>
         <p:spPr>
           <a:xfrm>
-            <a:off x="502920" y="496299"/>
-            <a:ext cx="4640580" cy="7899795"/>
+            <a:off x="628650" y="230992"/>
+            <a:ext cx="5800725" cy="3676795"/>
           </a:xfrm>
         </p:spPr>
         <p:txBody>
@@ -1027,9 +591,9 @@
           <a:bodyPr/>
           <a:lstStyle/>
           <a:p>
-            <a:fld id="{D20F9C60-C75C-2344-ADD7-BEB6F1FB8696}" type="datetimeFigureOut">
+            <a:fld id="{B3FD49CD-0034-0441-84C5-BD61FA025A57}" type="datetimeFigureOut">
               <a:rPr lang="en-US" smtClean="0"/>
-              <a:t>7/24/20</a:t>
+              <a:t>12/15/20</a:t>
             </a:fld>
             <a:endParaRPr lang="en-US"/>
           </a:p>
@@ -1069,7 +633,7 @@
           <a:bodyPr/>
           <a:lstStyle/>
           <a:p>
-            <a:fld id="{50A6DB94-3934-1241-B6AA-C2377CAD40C3}" type="slidenum">
+            <a:fld id="{FBC658B5-A350-DE4B-8B29-42402953F3E0}" type="slidenum">
               <a:rPr lang="en-US" smtClean="0"/>
               <a:t>‹#›</a:t>
             </a:fld>
@@ -1080,7 +644,7 @@
     </p:spTree>
     <p:extLst>
       <p:ext uri="{BB962C8B-B14F-4D97-AF65-F5344CB8AC3E}">
-        <p14:creationId xmlns:p14="http://schemas.microsoft.com/office/powerpoint/2010/main" val="690092205"/>
+        <p14:creationId xmlns:p14="http://schemas.microsoft.com/office/powerpoint/2010/main" val="1685809067"/>
       </p:ext>
     </p:extLst>
   </p:cSld>
@@ -1197,9 +761,9 @@
           <a:bodyPr/>
           <a:lstStyle/>
           <a:p>
-            <a:fld id="{D20F9C60-C75C-2344-ADD7-BEB6F1FB8696}" type="datetimeFigureOut">
+            <a:fld id="{B3FD49CD-0034-0441-84C5-BD61FA025A57}" type="datetimeFigureOut">
               <a:rPr lang="en-US" smtClean="0"/>
-              <a:t>7/24/20</a:t>
+              <a:t>12/15/20</a:t>
             </a:fld>
             <a:endParaRPr lang="en-US"/>
           </a:p>
@@ -1239,7 +803,7 @@
           <a:bodyPr/>
           <a:lstStyle/>
           <a:p>
-            <a:fld id="{50A6DB94-3934-1241-B6AA-C2377CAD40C3}" type="slidenum">
+            <a:fld id="{FBC658B5-A350-DE4B-8B29-42402953F3E0}" type="slidenum">
               <a:rPr lang="en-US" smtClean="0"/>
               <a:t>‹#›</a:t>
             </a:fld>
@@ -1250,7 +814,7 @@
     </p:spTree>
     <p:extLst>
       <p:ext uri="{BB962C8B-B14F-4D97-AF65-F5344CB8AC3E}">
-        <p14:creationId xmlns:p14="http://schemas.microsoft.com/office/powerpoint/2010/main" val="3551703637"/>
+        <p14:creationId xmlns:p14="http://schemas.microsoft.com/office/powerpoint/2010/main" val="2822650669"/>
       </p:ext>
     </p:extLst>
   </p:cSld>
@@ -1289,15 +853,15 @@
         </p:nvSpPr>
         <p:spPr>
           <a:xfrm>
-            <a:off x="499110" y="2323979"/>
-            <a:ext cx="6309360" cy="3877609"/>
+            <a:off x="623888" y="1081647"/>
+            <a:ext cx="7886700" cy="1804753"/>
           </a:xfrm>
         </p:spPr>
         <p:txBody>
           <a:bodyPr anchor="b"/>
           <a:lstStyle>
             <a:lvl1pPr>
-              <a:defRPr sz="4800"/>
+              <a:defRPr sz="3796"/>
             </a:lvl1pPr>
           </a:lstStyle>
           <a:p>
@@ -1321,8 +885,8 @@
         </p:nvSpPr>
         <p:spPr>
           <a:xfrm>
-            <a:off x="499110" y="6238272"/>
-            <a:ext cx="6309360" cy="2039143"/>
+            <a:off x="623888" y="2903473"/>
+            <a:ext cx="7886700" cy="949077"/>
           </a:xfrm>
         </p:spPr>
         <p:txBody>
@@ -1330,15 +894,17 @@
           <a:lstStyle>
             <a:lvl1pPr marL="0" indent="0">
               <a:buNone/>
-              <a:defRPr sz="1920">
+              <a:defRPr sz="1518">
                 <a:solidFill>
-                  <a:schemeClr val="tx1"/>
+                  <a:schemeClr val="tx1">
+                    <a:tint val="75000"/>
+                  </a:schemeClr>
                 </a:solidFill>
               </a:defRPr>
             </a:lvl1pPr>
-            <a:lvl2pPr marL="365760" indent="0">
-              <a:buNone/>
-              <a:defRPr sz="1600">
+            <a:lvl2pPr marL="289225" indent="0">
+              <a:buNone/>
+              <a:defRPr sz="1265">
                 <a:solidFill>
                   <a:schemeClr val="tx1">
                     <a:tint val="75000"/>
@@ -1346,9 +912,9 @@
                 </a:solidFill>
               </a:defRPr>
             </a:lvl2pPr>
-            <a:lvl3pPr marL="731520" indent="0">
-              <a:buNone/>
-              <a:defRPr sz="1440">
+            <a:lvl3pPr marL="578449" indent="0">
+              <a:buNone/>
+              <a:defRPr sz="1139">
                 <a:solidFill>
                   <a:schemeClr val="tx1">
                     <a:tint val="75000"/>
@@ -1356,9 +922,9 @@
                 </a:solidFill>
               </a:defRPr>
             </a:lvl3pPr>
-            <a:lvl4pPr marL="1097280" indent="0">
-              <a:buNone/>
-              <a:defRPr sz="1280">
+            <a:lvl4pPr marL="867674" indent="0">
+              <a:buNone/>
+              <a:defRPr sz="1012">
                 <a:solidFill>
                   <a:schemeClr val="tx1">
                     <a:tint val="75000"/>
@@ -1366,9 +932,9 @@
                 </a:solidFill>
               </a:defRPr>
             </a:lvl4pPr>
-            <a:lvl5pPr marL="1463040" indent="0">
-              <a:buNone/>
-              <a:defRPr sz="1280">
+            <a:lvl5pPr marL="1156899" indent="0">
+              <a:buNone/>
+              <a:defRPr sz="1012">
                 <a:solidFill>
                   <a:schemeClr val="tx1">
                     <a:tint val="75000"/>
@@ -1376,9 +942,9 @@
                 </a:solidFill>
               </a:defRPr>
             </a:lvl5pPr>
-            <a:lvl6pPr marL="1828800" indent="0">
-              <a:buNone/>
-              <a:defRPr sz="1280">
+            <a:lvl6pPr marL="1446124" indent="0">
+              <a:buNone/>
+              <a:defRPr sz="1012">
                 <a:solidFill>
                   <a:schemeClr val="tx1">
                     <a:tint val="75000"/>
@@ -1386,9 +952,9 @@
                 </a:solidFill>
               </a:defRPr>
             </a:lvl6pPr>
-            <a:lvl7pPr marL="2194560" indent="0">
-              <a:buNone/>
-              <a:defRPr sz="1280">
+            <a:lvl7pPr marL="1735348" indent="0">
+              <a:buNone/>
+              <a:defRPr sz="1012">
                 <a:solidFill>
                   <a:schemeClr val="tx1">
                     <a:tint val="75000"/>
@@ -1396,9 +962,9 @@
                 </a:solidFill>
               </a:defRPr>
             </a:lvl7pPr>
-            <a:lvl8pPr marL="2560320" indent="0">
-              <a:buNone/>
-              <a:defRPr sz="1280">
+            <a:lvl8pPr marL="2024573" indent="0">
+              <a:buNone/>
+              <a:defRPr sz="1012">
                 <a:solidFill>
                   <a:schemeClr val="tx1">
                     <a:tint val="75000"/>
@@ -1406,9 +972,9 @@
                 </a:solidFill>
               </a:defRPr>
             </a:lvl8pPr>
-            <a:lvl9pPr marL="2926080" indent="0">
-              <a:buNone/>
-              <a:defRPr sz="1280">
+            <a:lvl9pPr marL="2313798" indent="0">
+              <a:buNone/>
+              <a:defRPr sz="1012">
                 <a:solidFill>
                   <a:schemeClr val="tx1">
                     <a:tint val="75000"/>
@@ -1441,9 +1007,9 @@
           <a:bodyPr/>
           <a:lstStyle/>
           <a:p>
-            <a:fld id="{D20F9C60-C75C-2344-ADD7-BEB6F1FB8696}" type="datetimeFigureOut">
+            <a:fld id="{B3FD49CD-0034-0441-84C5-BD61FA025A57}" type="datetimeFigureOut">
               <a:rPr lang="en-US" smtClean="0"/>
-              <a:t>7/24/20</a:t>
+              <a:t>12/15/20</a:t>
             </a:fld>
             <a:endParaRPr lang="en-US"/>
           </a:p>
@@ -1483,7 +1049,7 @@
           <a:bodyPr/>
           <a:lstStyle/>
           <a:p>
-            <a:fld id="{50A6DB94-3934-1241-B6AA-C2377CAD40C3}" type="slidenum">
+            <a:fld id="{FBC658B5-A350-DE4B-8B29-42402953F3E0}" type="slidenum">
               <a:rPr lang="en-US" smtClean="0"/>
               <a:t>‹#›</a:t>
             </a:fld>
@@ -1494,7 +1060,7 @@
     </p:spTree>
     <p:extLst>
       <p:ext uri="{BB962C8B-B14F-4D97-AF65-F5344CB8AC3E}">
-        <p14:creationId xmlns:p14="http://schemas.microsoft.com/office/powerpoint/2010/main" val="1383599412"/>
+        <p14:creationId xmlns:p14="http://schemas.microsoft.com/office/powerpoint/2010/main" val="3283922215"/>
       </p:ext>
     </p:extLst>
   </p:cSld>
@@ -1556,8 +1122,8 @@
         </p:nvSpPr>
         <p:spPr>
           <a:xfrm>
-            <a:off x="502920" y="2481498"/>
-            <a:ext cx="3108960" cy="5914596"/>
+            <a:off x="628650" y="1154961"/>
+            <a:ext cx="3886200" cy="2752826"/>
           </a:xfrm>
         </p:spPr>
         <p:txBody>
@@ -1613,8 +1179,8 @@
         </p:nvSpPr>
         <p:spPr>
           <a:xfrm>
-            <a:off x="3703320" y="2481498"/>
-            <a:ext cx="3108960" cy="5914596"/>
+            <a:off x="4629150" y="1154961"/>
+            <a:ext cx="3886200" cy="2752826"/>
           </a:xfrm>
         </p:spPr>
         <p:txBody>
@@ -1673,9 +1239,9 @@
           <a:bodyPr/>
           <a:lstStyle/>
           <a:p>
-            <a:fld id="{D20F9C60-C75C-2344-ADD7-BEB6F1FB8696}" type="datetimeFigureOut">
+            <a:fld id="{B3FD49CD-0034-0441-84C5-BD61FA025A57}" type="datetimeFigureOut">
               <a:rPr lang="en-US" smtClean="0"/>
-              <a:t>7/24/20</a:t>
+              <a:t>12/15/20</a:t>
             </a:fld>
             <a:endParaRPr lang="en-US"/>
           </a:p>
@@ -1715,7 +1281,7 @@
           <a:bodyPr/>
           <a:lstStyle/>
           <a:p>
-            <a:fld id="{50A6DB94-3934-1241-B6AA-C2377CAD40C3}" type="slidenum">
+            <a:fld id="{FBC658B5-A350-DE4B-8B29-42402953F3E0}" type="slidenum">
               <a:rPr lang="en-US" smtClean="0"/>
               <a:t>‹#›</a:t>
             </a:fld>
@@ -1726,7 +1292,7 @@
     </p:spTree>
     <p:extLst>
       <p:ext uri="{BB962C8B-B14F-4D97-AF65-F5344CB8AC3E}">
-        <p14:creationId xmlns:p14="http://schemas.microsoft.com/office/powerpoint/2010/main" val="3322049136"/>
+        <p14:creationId xmlns:p14="http://schemas.microsoft.com/office/powerpoint/2010/main" val="1266687130"/>
       </p:ext>
     </p:extLst>
   </p:cSld>
@@ -1765,8 +1331,8 @@
         </p:nvSpPr>
         <p:spPr>
           <a:xfrm>
-            <a:off x="503873" y="496301"/>
-            <a:ext cx="6309360" cy="1801784"/>
+            <a:off x="629841" y="230993"/>
+            <a:ext cx="7886700" cy="838603"/>
           </a:xfrm>
         </p:spPr>
         <p:txBody>
@@ -1793,8 +1359,8 @@
         </p:nvSpPr>
         <p:spPr>
           <a:xfrm>
-            <a:off x="503874" y="2285136"/>
-            <a:ext cx="3094672" cy="1119910"/>
+            <a:off x="629842" y="1063569"/>
+            <a:ext cx="3868340" cy="521239"/>
           </a:xfrm>
         </p:spPr>
         <p:txBody>
@@ -1802,39 +1368,39 @@
           <a:lstStyle>
             <a:lvl1pPr marL="0" indent="0">
               <a:buNone/>
-              <a:defRPr sz="1920" b="1"/>
+              <a:defRPr sz="1518" b="1"/>
             </a:lvl1pPr>
-            <a:lvl2pPr marL="365760" indent="0">
-              <a:buNone/>
-              <a:defRPr sz="1600" b="1"/>
+            <a:lvl2pPr marL="289225" indent="0">
+              <a:buNone/>
+              <a:defRPr sz="1265" b="1"/>
             </a:lvl2pPr>
-            <a:lvl3pPr marL="731520" indent="0">
-              <a:buNone/>
-              <a:defRPr sz="1440" b="1"/>
+            <a:lvl3pPr marL="578449" indent="0">
+              <a:buNone/>
+              <a:defRPr sz="1139" b="1"/>
             </a:lvl3pPr>
-            <a:lvl4pPr marL="1097280" indent="0">
-              <a:buNone/>
-              <a:defRPr sz="1280" b="1"/>
+            <a:lvl4pPr marL="867674" indent="0">
+              <a:buNone/>
+              <a:defRPr sz="1012" b="1"/>
             </a:lvl4pPr>
-            <a:lvl5pPr marL="1463040" indent="0">
-              <a:buNone/>
-              <a:defRPr sz="1280" b="1"/>
+            <a:lvl5pPr marL="1156899" indent="0">
+              <a:buNone/>
+              <a:defRPr sz="1012" b="1"/>
             </a:lvl5pPr>
-            <a:lvl6pPr marL="1828800" indent="0">
-              <a:buNone/>
-              <a:defRPr sz="1280" b="1"/>
+            <a:lvl6pPr marL="1446124" indent="0">
+              <a:buNone/>
+              <a:defRPr sz="1012" b="1"/>
             </a:lvl6pPr>
-            <a:lvl7pPr marL="2194560" indent="0">
-              <a:buNone/>
-              <a:defRPr sz="1280" b="1"/>
+            <a:lvl7pPr marL="1735348" indent="0">
+              <a:buNone/>
+              <a:defRPr sz="1012" b="1"/>
             </a:lvl7pPr>
-            <a:lvl8pPr marL="2560320" indent="0">
-              <a:buNone/>
-              <a:defRPr sz="1280" b="1"/>
+            <a:lvl8pPr marL="2024573" indent="0">
+              <a:buNone/>
+              <a:defRPr sz="1012" b="1"/>
             </a:lvl8pPr>
-            <a:lvl9pPr marL="2926080" indent="0">
-              <a:buNone/>
-              <a:defRPr sz="1280" b="1"/>
+            <a:lvl9pPr marL="2313798" indent="0">
+              <a:buNone/>
+              <a:defRPr sz="1012" b="1"/>
             </a:lvl9pPr>
           </a:lstStyle>
           <a:p>
@@ -1858,8 +1424,8 @@
         </p:nvSpPr>
         <p:spPr>
           <a:xfrm>
-            <a:off x="503874" y="3405047"/>
-            <a:ext cx="3094672" cy="5008310"/>
+            <a:off x="629842" y="1584808"/>
+            <a:ext cx="3868340" cy="2331014"/>
           </a:xfrm>
         </p:spPr>
         <p:txBody>
@@ -1915,8 +1481,8 @@
         </p:nvSpPr>
         <p:spPr>
           <a:xfrm>
-            <a:off x="3703320" y="2285136"/>
-            <a:ext cx="3109913" cy="1119910"/>
+            <a:off x="4629150" y="1063569"/>
+            <a:ext cx="3887391" cy="521239"/>
           </a:xfrm>
         </p:spPr>
         <p:txBody>
@@ -1924,39 +1490,39 @@
           <a:lstStyle>
             <a:lvl1pPr marL="0" indent="0">
               <a:buNone/>
-              <a:defRPr sz="1920" b="1"/>
+              <a:defRPr sz="1518" b="1"/>
             </a:lvl1pPr>
-            <a:lvl2pPr marL="365760" indent="0">
-              <a:buNone/>
-              <a:defRPr sz="1600" b="1"/>
+            <a:lvl2pPr marL="289225" indent="0">
+              <a:buNone/>
+              <a:defRPr sz="1265" b="1"/>
             </a:lvl2pPr>
-            <a:lvl3pPr marL="731520" indent="0">
-              <a:buNone/>
-              <a:defRPr sz="1440" b="1"/>
+            <a:lvl3pPr marL="578449" indent="0">
+              <a:buNone/>
+              <a:defRPr sz="1139" b="1"/>
             </a:lvl3pPr>
-            <a:lvl4pPr marL="1097280" indent="0">
-              <a:buNone/>
-              <a:defRPr sz="1280" b="1"/>
+            <a:lvl4pPr marL="867674" indent="0">
+              <a:buNone/>
+              <a:defRPr sz="1012" b="1"/>
             </a:lvl4pPr>
-            <a:lvl5pPr marL="1463040" indent="0">
-              <a:buNone/>
-              <a:defRPr sz="1280" b="1"/>
+            <a:lvl5pPr marL="1156899" indent="0">
+              <a:buNone/>
+              <a:defRPr sz="1012" b="1"/>
             </a:lvl5pPr>
-            <a:lvl6pPr marL="1828800" indent="0">
-              <a:buNone/>
-              <a:defRPr sz="1280" b="1"/>
+            <a:lvl6pPr marL="1446124" indent="0">
+              <a:buNone/>
+              <a:defRPr sz="1012" b="1"/>
             </a:lvl6pPr>
-            <a:lvl7pPr marL="2194560" indent="0">
-              <a:buNone/>
-              <a:defRPr sz="1280" b="1"/>
+            <a:lvl7pPr marL="1735348" indent="0">
+              <a:buNone/>
+              <a:defRPr sz="1012" b="1"/>
             </a:lvl7pPr>
-            <a:lvl8pPr marL="2560320" indent="0">
-              <a:buNone/>
-              <a:defRPr sz="1280" b="1"/>
+            <a:lvl8pPr marL="2024573" indent="0">
+              <a:buNone/>
+              <a:defRPr sz="1012" b="1"/>
             </a:lvl8pPr>
-            <a:lvl9pPr marL="2926080" indent="0">
-              <a:buNone/>
-              <a:defRPr sz="1280" b="1"/>
+            <a:lvl9pPr marL="2313798" indent="0">
+              <a:buNone/>
+              <a:defRPr sz="1012" b="1"/>
             </a:lvl9pPr>
           </a:lstStyle>
           <a:p>
@@ -1980,8 +1546,8 @@
         </p:nvSpPr>
         <p:spPr>
           <a:xfrm>
-            <a:off x="3703320" y="3405047"/>
-            <a:ext cx="3109913" cy="5008310"/>
+            <a:off x="4629150" y="1584808"/>
+            <a:ext cx="3887391" cy="2331014"/>
           </a:xfrm>
         </p:spPr>
         <p:txBody>
@@ -2040,9 +1606,9 @@
           <a:bodyPr/>
           <a:lstStyle/>
           <a:p>
-            <a:fld id="{D20F9C60-C75C-2344-ADD7-BEB6F1FB8696}" type="datetimeFigureOut">
+            <a:fld id="{B3FD49CD-0034-0441-84C5-BD61FA025A57}" type="datetimeFigureOut">
               <a:rPr lang="en-US" smtClean="0"/>
-              <a:t>7/24/20</a:t>
+              <a:t>12/15/20</a:t>
             </a:fld>
             <a:endParaRPr lang="en-US"/>
           </a:p>
@@ -2082,7 +1648,7 @@
           <a:bodyPr/>
           <a:lstStyle/>
           <a:p>
-            <a:fld id="{50A6DB94-3934-1241-B6AA-C2377CAD40C3}" type="slidenum">
+            <a:fld id="{FBC658B5-A350-DE4B-8B29-42402953F3E0}" type="slidenum">
               <a:rPr lang="en-US" smtClean="0"/>
               <a:t>‹#›</a:t>
             </a:fld>
@@ -2093,7 +1659,7 @@
     </p:spTree>
     <p:extLst>
       <p:ext uri="{BB962C8B-B14F-4D97-AF65-F5344CB8AC3E}">
-        <p14:creationId xmlns:p14="http://schemas.microsoft.com/office/powerpoint/2010/main" val="2262234004"/>
+        <p14:creationId xmlns:p14="http://schemas.microsoft.com/office/powerpoint/2010/main" val="1814032100"/>
       </p:ext>
     </p:extLst>
   </p:cSld>
@@ -2158,9 +1724,9 @@
           <a:bodyPr/>
           <a:lstStyle/>
           <a:p>
-            <a:fld id="{D20F9C60-C75C-2344-ADD7-BEB6F1FB8696}" type="datetimeFigureOut">
+            <a:fld id="{B3FD49CD-0034-0441-84C5-BD61FA025A57}" type="datetimeFigureOut">
               <a:rPr lang="en-US" smtClean="0"/>
-              <a:t>7/24/20</a:t>
+              <a:t>12/15/20</a:t>
             </a:fld>
             <a:endParaRPr lang="en-US"/>
           </a:p>
@@ -2200,7 +1766,7 @@
           <a:bodyPr/>
           <a:lstStyle/>
           <a:p>
-            <a:fld id="{50A6DB94-3934-1241-B6AA-C2377CAD40C3}" type="slidenum">
+            <a:fld id="{FBC658B5-A350-DE4B-8B29-42402953F3E0}" type="slidenum">
               <a:rPr lang="en-US" smtClean="0"/>
               <a:t>‹#›</a:t>
             </a:fld>
@@ -2211,7 +1777,7 @@
     </p:spTree>
     <p:extLst>
       <p:ext uri="{BB962C8B-B14F-4D97-AF65-F5344CB8AC3E}">
-        <p14:creationId xmlns:p14="http://schemas.microsoft.com/office/powerpoint/2010/main" val="1061505815"/>
+        <p14:creationId xmlns:p14="http://schemas.microsoft.com/office/powerpoint/2010/main" val="1646549506"/>
       </p:ext>
     </p:extLst>
   </p:cSld>
@@ -2253,9 +1819,9 @@
           <a:bodyPr/>
           <a:lstStyle/>
           <a:p>
-            <a:fld id="{D20F9C60-C75C-2344-ADD7-BEB6F1FB8696}" type="datetimeFigureOut">
+            <a:fld id="{B3FD49CD-0034-0441-84C5-BD61FA025A57}" type="datetimeFigureOut">
               <a:rPr lang="en-US" smtClean="0"/>
-              <a:t>7/24/20</a:t>
+              <a:t>12/15/20</a:t>
             </a:fld>
             <a:endParaRPr lang="en-US"/>
           </a:p>
@@ -2295,7 +1861,7 @@
           <a:bodyPr/>
           <a:lstStyle/>
           <a:p>
-            <a:fld id="{50A6DB94-3934-1241-B6AA-C2377CAD40C3}" type="slidenum">
+            <a:fld id="{FBC658B5-A350-DE4B-8B29-42402953F3E0}" type="slidenum">
               <a:rPr lang="en-US" smtClean="0"/>
               <a:t>‹#›</a:t>
             </a:fld>
@@ -2306,7 +1872,7 @@
     </p:spTree>
     <p:extLst>
       <p:ext uri="{BB962C8B-B14F-4D97-AF65-F5344CB8AC3E}">
-        <p14:creationId xmlns:p14="http://schemas.microsoft.com/office/powerpoint/2010/main" val="980676283"/>
+        <p14:creationId xmlns:p14="http://schemas.microsoft.com/office/powerpoint/2010/main" val="2253567405"/>
       </p:ext>
     </p:extLst>
   </p:cSld>
@@ -2345,15 +1911,15 @@
         </p:nvSpPr>
         <p:spPr>
           <a:xfrm>
-            <a:off x="503873" y="621453"/>
-            <a:ext cx="2359342" cy="2175087"/>
+            <a:off x="629841" y="289242"/>
+            <a:ext cx="2949178" cy="1012349"/>
           </a:xfrm>
         </p:spPr>
         <p:txBody>
           <a:bodyPr anchor="b"/>
           <a:lstStyle>
             <a:lvl1pPr>
-              <a:defRPr sz="2560"/>
+              <a:defRPr sz="2024"/>
             </a:lvl1pPr>
           </a:lstStyle>
           <a:p>
@@ -2377,39 +1943,39 @@
         </p:nvSpPr>
         <p:spPr>
           <a:xfrm>
-            <a:off x="3109913" y="1342169"/>
-            <a:ext cx="3703320" cy="6624520"/>
+            <a:off x="3887391" y="624684"/>
+            <a:ext cx="4629150" cy="3083245"/>
           </a:xfrm>
         </p:spPr>
         <p:txBody>
           <a:bodyPr/>
           <a:lstStyle>
             <a:lvl1pPr>
-              <a:defRPr sz="2560"/>
+              <a:defRPr sz="2024"/>
             </a:lvl1pPr>
             <a:lvl2pPr>
-              <a:defRPr sz="2240"/>
+              <a:defRPr sz="1771"/>
             </a:lvl2pPr>
             <a:lvl3pPr>
-              <a:defRPr sz="1920"/>
+              <a:defRPr sz="1518"/>
             </a:lvl3pPr>
             <a:lvl4pPr>
-              <a:defRPr sz="1600"/>
+              <a:defRPr sz="1265"/>
             </a:lvl4pPr>
             <a:lvl5pPr>
-              <a:defRPr sz="1600"/>
+              <a:defRPr sz="1265"/>
             </a:lvl5pPr>
             <a:lvl6pPr>
-              <a:defRPr sz="1600"/>
+              <a:defRPr sz="1265"/>
             </a:lvl6pPr>
             <a:lvl7pPr>
-              <a:defRPr sz="1600"/>
+              <a:defRPr sz="1265"/>
             </a:lvl7pPr>
             <a:lvl8pPr>
-              <a:defRPr sz="1600"/>
+              <a:defRPr sz="1265"/>
             </a:lvl8pPr>
             <a:lvl9pPr>
-              <a:defRPr sz="1600"/>
+              <a:defRPr sz="1265"/>
             </a:lvl9pPr>
           </a:lstStyle>
           <a:p>
@@ -2462,8 +2028,8 @@
         </p:nvSpPr>
         <p:spPr>
           <a:xfrm>
-            <a:off x="503873" y="2796540"/>
-            <a:ext cx="2359342" cy="5180936"/>
+            <a:off x="629841" y="1301591"/>
+            <a:ext cx="2949178" cy="2411359"/>
           </a:xfrm>
         </p:spPr>
         <p:txBody>
@@ -2471,39 +2037,39 @@
           <a:lstStyle>
             <a:lvl1pPr marL="0" indent="0">
               <a:buNone/>
-              <a:defRPr sz="1280"/>
+              <a:defRPr sz="1012"/>
             </a:lvl1pPr>
-            <a:lvl2pPr marL="365760" indent="0">
-              <a:buNone/>
-              <a:defRPr sz="1120"/>
+            <a:lvl2pPr marL="289225" indent="0">
+              <a:buNone/>
+              <a:defRPr sz="886"/>
             </a:lvl2pPr>
-            <a:lvl3pPr marL="731520" indent="0">
-              <a:buNone/>
-              <a:defRPr sz="960"/>
+            <a:lvl3pPr marL="578449" indent="0">
+              <a:buNone/>
+              <a:defRPr sz="759"/>
             </a:lvl3pPr>
-            <a:lvl4pPr marL="1097280" indent="0">
-              <a:buNone/>
-              <a:defRPr sz="800"/>
+            <a:lvl4pPr marL="867674" indent="0">
+              <a:buNone/>
+              <a:defRPr sz="633"/>
             </a:lvl4pPr>
-            <a:lvl5pPr marL="1463040" indent="0">
-              <a:buNone/>
-              <a:defRPr sz="800"/>
+            <a:lvl5pPr marL="1156899" indent="0">
+              <a:buNone/>
+              <a:defRPr sz="633"/>
             </a:lvl5pPr>
-            <a:lvl6pPr marL="1828800" indent="0">
-              <a:buNone/>
-              <a:defRPr sz="800"/>
+            <a:lvl6pPr marL="1446124" indent="0">
+              <a:buNone/>
+              <a:defRPr sz="633"/>
             </a:lvl6pPr>
-            <a:lvl7pPr marL="2194560" indent="0">
-              <a:buNone/>
-              <a:defRPr sz="800"/>
+            <a:lvl7pPr marL="1735348" indent="0">
+              <a:buNone/>
+              <a:defRPr sz="633"/>
             </a:lvl7pPr>
-            <a:lvl8pPr marL="2560320" indent="0">
-              <a:buNone/>
-              <a:defRPr sz="800"/>
+            <a:lvl8pPr marL="2024573" indent="0">
+              <a:buNone/>
+              <a:defRPr sz="633"/>
             </a:lvl8pPr>
-            <a:lvl9pPr marL="2926080" indent="0">
-              <a:buNone/>
-              <a:defRPr sz="800"/>
+            <a:lvl9pPr marL="2313798" indent="0">
+              <a:buNone/>
+              <a:defRPr sz="633"/>
             </a:lvl9pPr>
           </a:lstStyle>
           <a:p>
@@ -2530,9 +2096,9 @@
           <a:bodyPr/>
           <a:lstStyle/>
           <a:p>
-            <a:fld id="{D20F9C60-C75C-2344-ADD7-BEB6F1FB8696}" type="datetimeFigureOut">
+            <a:fld id="{B3FD49CD-0034-0441-84C5-BD61FA025A57}" type="datetimeFigureOut">
               <a:rPr lang="en-US" smtClean="0"/>
-              <a:t>7/24/20</a:t>
+              <a:t>12/15/20</a:t>
             </a:fld>
             <a:endParaRPr lang="en-US"/>
           </a:p>
@@ -2572,7 +2138,7 @@
           <a:bodyPr/>
           <a:lstStyle/>
           <a:p>
-            <a:fld id="{50A6DB94-3934-1241-B6AA-C2377CAD40C3}" type="slidenum">
+            <a:fld id="{FBC658B5-A350-DE4B-8B29-42402953F3E0}" type="slidenum">
               <a:rPr lang="en-US" smtClean="0"/>
               <a:t>‹#›</a:t>
             </a:fld>
@@ -2583,7 +2149,7 @@
     </p:spTree>
     <p:extLst>
       <p:ext uri="{BB962C8B-B14F-4D97-AF65-F5344CB8AC3E}">
-        <p14:creationId xmlns:p14="http://schemas.microsoft.com/office/powerpoint/2010/main" val="1903780366"/>
+        <p14:creationId xmlns:p14="http://schemas.microsoft.com/office/powerpoint/2010/main" val="2777040713"/>
       </p:ext>
     </p:extLst>
   </p:cSld>
@@ -2622,15 +2188,15 @@
         </p:nvSpPr>
         <p:spPr>
           <a:xfrm>
-            <a:off x="503873" y="621453"/>
-            <a:ext cx="2359342" cy="2175087"/>
+            <a:off x="629841" y="289242"/>
+            <a:ext cx="2949178" cy="1012349"/>
           </a:xfrm>
         </p:spPr>
         <p:txBody>
           <a:bodyPr anchor="b"/>
           <a:lstStyle>
             <a:lvl1pPr>
-              <a:defRPr sz="2560"/>
+              <a:defRPr sz="2024"/>
             </a:lvl1pPr>
           </a:lstStyle>
           <a:p>
@@ -2654,8 +2220,8 @@
         </p:nvSpPr>
         <p:spPr>
           <a:xfrm>
-            <a:off x="3109913" y="1342169"/>
-            <a:ext cx="3703320" cy="6624520"/>
+            <a:off x="3887391" y="624684"/>
+            <a:ext cx="4629150" cy="3083245"/>
           </a:xfrm>
         </p:spPr>
         <p:txBody>
@@ -2663,39 +2229,39 @@
           <a:lstStyle>
             <a:lvl1pPr marL="0" indent="0">
               <a:buNone/>
-              <a:defRPr sz="2560"/>
+              <a:defRPr sz="2024"/>
             </a:lvl1pPr>
-            <a:lvl2pPr marL="365760" indent="0">
-              <a:buNone/>
-              <a:defRPr sz="2240"/>
+            <a:lvl2pPr marL="289225" indent="0">
+              <a:buNone/>
+              <a:defRPr sz="1771"/>
             </a:lvl2pPr>
-            <a:lvl3pPr marL="731520" indent="0">
-              <a:buNone/>
-              <a:defRPr sz="1920"/>
+            <a:lvl3pPr marL="578449" indent="0">
+              <a:buNone/>
+              <a:defRPr sz="1518"/>
             </a:lvl3pPr>
-            <a:lvl4pPr marL="1097280" indent="0">
-              <a:buNone/>
-              <a:defRPr sz="1600"/>
+            <a:lvl4pPr marL="867674" indent="0">
+              <a:buNone/>
+              <a:defRPr sz="1265"/>
             </a:lvl4pPr>
-            <a:lvl5pPr marL="1463040" indent="0">
-              <a:buNone/>
-              <a:defRPr sz="1600"/>
+            <a:lvl5pPr marL="1156899" indent="0">
+              <a:buNone/>
+              <a:defRPr sz="1265"/>
             </a:lvl5pPr>
-            <a:lvl6pPr marL="1828800" indent="0">
-              <a:buNone/>
-              <a:defRPr sz="1600"/>
+            <a:lvl6pPr marL="1446124" indent="0">
+              <a:buNone/>
+              <a:defRPr sz="1265"/>
             </a:lvl6pPr>
-            <a:lvl7pPr marL="2194560" indent="0">
-              <a:buNone/>
-              <a:defRPr sz="1600"/>
+            <a:lvl7pPr marL="1735348" indent="0">
+              <a:buNone/>
+              <a:defRPr sz="1265"/>
             </a:lvl7pPr>
-            <a:lvl8pPr marL="2560320" indent="0">
-              <a:buNone/>
-              <a:defRPr sz="1600"/>
+            <a:lvl8pPr marL="2024573" indent="0">
+              <a:buNone/>
+              <a:defRPr sz="1265"/>
             </a:lvl8pPr>
-            <a:lvl9pPr marL="2926080" indent="0">
-              <a:buNone/>
-              <a:defRPr sz="1600"/>
+            <a:lvl9pPr marL="2313798" indent="0">
+              <a:buNone/>
+              <a:defRPr sz="1265"/>
             </a:lvl9pPr>
           </a:lstStyle>
           <a:p>
@@ -2719,8 +2285,8 @@
         </p:nvSpPr>
         <p:spPr>
           <a:xfrm>
-            <a:off x="503873" y="2796540"/>
-            <a:ext cx="2359342" cy="5180936"/>
+            <a:off x="629841" y="1301591"/>
+            <a:ext cx="2949178" cy="2411359"/>
           </a:xfrm>
         </p:spPr>
         <p:txBody>
@@ -2728,39 +2294,39 @@
           <a:lstStyle>
             <a:lvl1pPr marL="0" indent="0">
               <a:buNone/>
-              <a:defRPr sz="1280"/>
+              <a:defRPr sz="1012"/>
             </a:lvl1pPr>
-            <a:lvl2pPr marL="365760" indent="0">
-              <a:buNone/>
-              <a:defRPr sz="1120"/>
+            <a:lvl2pPr marL="289225" indent="0">
+              <a:buNone/>
+              <a:defRPr sz="886"/>
             </a:lvl2pPr>
-            <a:lvl3pPr marL="731520" indent="0">
-              <a:buNone/>
-              <a:defRPr sz="960"/>
+            <a:lvl3pPr marL="578449" indent="0">
+              <a:buNone/>
+              <a:defRPr sz="759"/>
             </a:lvl3pPr>
-            <a:lvl4pPr marL="1097280" indent="0">
-              <a:buNone/>
-              <a:defRPr sz="800"/>
+            <a:lvl4pPr marL="867674" indent="0">
+              <a:buNone/>
+              <a:defRPr sz="633"/>
             </a:lvl4pPr>
-            <a:lvl5pPr marL="1463040" indent="0">
-              <a:buNone/>
-              <a:defRPr sz="800"/>
+            <a:lvl5pPr marL="1156899" indent="0">
+              <a:buNone/>
+              <a:defRPr sz="633"/>
             </a:lvl5pPr>
-            <a:lvl6pPr marL="1828800" indent="0">
-              <a:buNone/>
-              <a:defRPr sz="800"/>
+            <a:lvl6pPr marL="1446124" indent="0">
+              <a:buNone/>
+              <a:defRPr sz="633"/>
             </a:lvl6pPr>
-            <a:lvl7pPr marL="2194560" indent="0">
-              <a:buNone/>
-              <a:defRPr sz="800"/>
+            <a:lvl7pPr marL="1735348" indent="0">
+              <a:buNone/>
+              <a:defRPr sz="633"/>
             </a:lvl7pPr>
-            <a:lvl8pPr marL="2560320" indent="0">
-              <a:buNone/>
-              <a:defRPr sz="800"/>
+            <a:lvl8pPr marL="2024573" indent="0">
+              <a:buNone/>
+              <a:defRPr sz="633"/>
             </a:lvl8pPr>
-            <a:lvl9pPr marL="2926080" indent="0">
-              <a:buNone/>
-              <a:defRPr sz="800"/>
+            <a:lvl9pPr marL="2313798" indent="0">
+              <a:buNone/>
+              <a:defRPr sz="633"/>
             </a:lvl9pPr>
           </a:lstStyle>
           <a:p>
@@ -2787,9 +2353,9 @@
           <a:bodyPr/>
           <a:lstStyle/>
           <a:p>
-            <a:fld id="{D20F9C60-C75C-2344-ADD7-BEB6F1FB8696}" type="datetimeFigureOut">
+            <a:fld id="{B3FD49CD-0034-0441-84C5-BD61FA025A57}" type="datetimeFigureOut">
               <a:rPr lang="en-US" smtClean="0"/>
-              <a:t>7/24/20</a:t>
+              <a:t>12/15/20</a:t>
             </a:fld>
             <a:endParaRPr lang="en-US"/>
           </a:p>
@@ -2829,7 +2395,7 @@
           <a:bodyPr/>
           <a:lstStyle/>
           <a:p>
-            <a:fld id="{50A6DB94-3934-1241-B6AA-C2377CAD40C3}" type="slidenum">
+            <a:fld id="{FBC658B5-A350-DE4B-8B29-42402953F3E0}" type="slidenum">
               <a:rPr lang="en-US" smtClean="0"/>
               <a:t>‹#›</a:t>
             </a:fld>
@@ -2840,7 +2406,7 @@
     </p:spTree>
     <p:extLst>
       <p:ext uri="{BB962C8B-B14F-4D97-AF65-F5344CB8AC3E}">
-        <p14:creationId xmlns:p14="http://schemas.microsoft.com/office/powerpoint/2010/main" val="3420429185"/>
+        <p14:creationId xmlns:p14="http://schemas.microsoft.com/office/powerpoint/2010/main" val="25067358"/>
       </p:ext>
     </p:extLst>
   </p:cSld>
@@ -2884,8 +2450,8 @@
         </p:nvSpPr>
         <p:spPr>
           <a:xfrm>
-            <a:off x="502920" y="496301"/>
-            <a:ext cx="6309360" cy="1801784"/>
+            <a:off x="628650" y="230993"/>
+            <a:ext cx="7886700" cy="838603"/>
           </a:xfrm>
           <a:prstGeom prst="rect">
             <a:avLst/>
@@ -2917,8 +2483,8 @@
         </p:nvSpPr>
         <p:spPr>
           <a:xfrm>
-            <a:off x="502920" y="2481498"/>
-            <a:ext cx="6309360" cy="5914596"/>
+            <a:off x="628650" y="1154961"/>
+            <a:ext cx="7886700" cy="2752826"/>
           </a:xfrm>
           <a:prstGeom prst="rect">
             <a:avLst/>
@@ -2979,8 +2545,8 @@
         </p:nvSpPr>
         <p:spPr>
           <a:xfrm>
-            <a:off x="502920" y="8639929"/>
-            <a:ext cx="1645920" cy="496300"/>
+            <a:off x="628650" y="4021275"/>
+            <a:ext cx="2057400" cy="230992"/>
           </a:xfrm>
           <a:prstGeom prst="rect">
             <a:avLst/>
@@ -2990,7 +2556,7 @@
           <a:bodyPr vert="horz" lIns="91440" tIns="45720" rIns="91440" bIns="45720" rtlCol="0" anchor="ctr"/>
           <a:lstStyle>
             <a:lvl1pPr algn="l">
-              <a:defRPr sz="960">
+              <a:defRPr sz="759">
                 <a:solidFill>
                   <a:schemeClr val="tx1">
                     <a:tint val="75000"/>
@@ -3000,9 +2566,9 @@
             </a:lvl1pPr>
           </a:lstStyle>
           <a:p>
-            <a:fld id="{D20F9C60-C75C-2344-ADD7-BEB6F1FB8696}" type="datetimeFigureOut">
+            <a:fld id="{B3FD49CD-0034-0441-84C5-BD61FA025A57}" type="datetimeFigureOut">
               <a:rPr lang="en-US" smtClean="0"/>
-              <a:t>7/24/20</a:t>
+              <a:t>12/15/20</a:t>
             </a:fld>
             <a:endParaRPr lang="en-US"/>
           </a:p>
@@ -3020,8 +2586,8 @@
         </p:nvSpPr>
         <p:spPr>
           <a:xfrm>
-            <a:off x="2423160" y="8639929"/>
-            <a:ext cx="2468880" cy="496300"/>
+            <a:off x="3028950" y="4021275"/>
+            <a:ext cx="3086100" cy="230992"/>
           </a:xfrm>
           <a:prstGeom prst="rect">
             <a:avLst/>
@@ -3031,7 +2597,7 @@
           <a:bodyPr vert="horz" lIns="91440" tIns="45720" rIns="91440" bIns="45720" rtlCol="0" anchor="ctr"/>
           <a:lstStyle>
             <a:lvl1pPr algn="ctr">
-              <a:defRPr sz="960">
+              <a:defRPr sz="759">
                 <a:solidFill>
                   <a:schemeClr val="tx1">
                     <a:tint val="75000"/>
@@ -3057,8 +2623,8 @@
         </p:nvSpPr>
         <p:spPr>
           <a:xfrm>
-            <a:off x="5166360" y="8639929"/>
-            <a:ext cx="1645920" cy="496300"/>
+            <a:off x="6457950" y="4021275"/>
+            <a:ext cx="2057400" cy="230992"/>
           </a:xfrm>
           <a:prstGeom prst="rect">
             <a:avLst/>
@@ -3068,7 +2634,7 @@
           <a:bodyPr vert="horz" lIns="91440" tIns="45720" rIns="91440" bIns="45720" rtlCol="0" anchor="ctr"/>
           <a:lstStyle>
             <a:lvl1pPr algn="r">
-              <a:defRPr sz="960">
+              <a:defRPr sz="759">
                 <a:solidFill>
                   <a:schemeClr val="tx1">
                     <a:tint val="75000"/>
@@ -3078,7 +2644,7 @@
             </a:lvl1pPr>
           </a:lstStyle>
           <a:p>
-            <a:fld id="{50A6DB94-3934-1241-B6AA-C2377CAD40C3}" type="slidenum">
+            <a:fld id="{FBC658B5-A350-DE4B-8B29-42402953F3E0}" type="slidenum">
               <a:rPr lang="en-US" smtClean="0"/>
               <a:t>‹#›</a:t>
             </a:fld>
@@ -3089,27 +2655,27 @@
     </p:spTree>
     <p:extLst>
       <p:ext uri="{BB962C8B-B14F-4D97-AF65-F5344CB8AC3E}">
-        <p14:creationId xmlns:p14="http://schemas.microsoft.com/office/powerpoint/2010/main" val="3452129541"/>
+        <p14:creationId xmlns:p14="http://schemas.microsoft.com/office/powerpoint/2010/main" val="2732485425"/>
       </p:ext>
     </p:extLst>
   </p:cSld>
   <p:clrMap bg1="lt1" tx1="dk1" bg2="lt2" tx2="dk2" accent1="accent1" accent2="accent2" accent3="accent3" accent4="accent4" accent5="accent5" accent6="accent6" hlink="hlink" folHlink="folHlink"/>
   <p:sldLayoutIdLst>
-    <p:sldLayoutId id="2147483685" r:id="rId1"/>
-    <p:sldLayoutId id="2147483686" r:id="rId2"/>
-    <p:sldLayoutId id="2147483687" r:id="rId3"/>
-    <p:sldLayoutId id="2147483688" r:id="rId4"/>
-    <p:sldLayoutId id="2147483689" r:id="rId5"/>
-    <p:sldLayoutId id="2147483690" r:id="rId6"/>
-    <p:sldLayoutId id="2147483691" r:id="rId7"/>
-    <p:sldLayoutId id="2147483692" r:id="rId8"/>
-    <p:sldLayoutId id="2147483693" r:id="rId9"/>
-    <p:sldLayoutId id="2147483694" r:id="rId10"/>
-    <p:sldLayoutId id="2147483695" r:id="rId11"/>
+    <p:sldLayoutId id="2147483673" r:id="rId1"/>
+    <p:sldLayoutId id="2147483674" r:id="rId2"/>
+    <p:sldLayoutId id="2147483675" r:id="rId3"/>
+    <p:sldLayoutId id="2147483676" r:id="rId4"/>
+    <p:sldLayoutId id="2147483677" r:id="rId5"/>
+    <p:sldLayoutId id="2147483678" r:id="rId6"/>
+    <p:sldLayoutId id="2147483679" r:id="rId7"/>
+    <p:sldLayoutId id="2147483680" r:id="rId8"/>
+    <p:sldLayoutId id="2147483681" r:id="rId9"/>
+    <p:sldLayoutId id="2147483682" r:id="rId10"/>
+    <p:sldLayoutId id="2147483683" r:id="rId11"/>
   </p:sldLayoutIdLst>
   <p:txStyles>
     <p:titleStyle>
-      <a:lvl1pPr algn="l" defTabSz="731520" rtl="0" eaLnBrk="1" latinLnBrk="0" hangingPunct="1">
+      <a:lvl1pPr algn="l" defTabSz="578449" rtl="0" eaLnBrk="1" latinLnBrk="0" hangingPunct="1">
         <a:lnSpc>
           <a:spcPct val="90000"/>
         </a:lnSpc>
@@ -3117,7 +2683,7 @@
           <a:spcPct val="0"/>
         </a:spcBef>
         <a:buNone/>
-        <a:defRPr sz="3520" kern="1200">
+        <a:defRPr sz="2783" kern="1200">
           <a:solidFill>
             <a:schemeClr val="tx1"/>
           </a:solidFill>
@@ -3128,16 +2694,16 @@
       </a:lvl1pPr>
     </p:titleStyle>
     <p:bodyStyle>
-      <a:lvl1pPr marL="182880" indent="-182880" algn="l" defTabSz="731520" rtl="0" eaLnBrk="1" latinLnBrk="0" hangingPunct="1">
+      <a:lvl1pPr marL="144612" indent="-144612" algn="l" defTabSz="578449" rtl="0" eaLnBrk="1" latinLnBrk="0" hangingPunct="1">
         <a:lnSpc>
           <a:spcPct val="90000"/>
         </a:lnSpc>
         <a:spcBef>
-          <a:spcPts val="800"/>
+          <a:spcPts val="633"/>
         </a:spcBef>
         <a:buFont typeface="Arial" panose="020B0604020202020204" pitchFamily="34" charset="0"/>
         <a:buChar char="•"/>
-        <a:defRPr sz="2240" kern="1200">
+        <a:defRPr sz="1771" kern="1200">
           <a:solidFill>
             <a:schemeClr val="tx1"/>
           </a:solidFill>
@@ -3146,16 +2712,16 @@
           <a:cs typeface="+mn-cs"/>
         </a:defRPr>
       </a:lvl1pPr>
-      <a:lvl2pPr marL="548640" indent="-182880" algn="l" defTabSz="731520" rtl="0" eaLnBrk="1" latinLnBrk="0" hangingPunct="1">
+      <a:lvl2pPr marL="433837" indent="-144612" algn="l" defTabSz="578449" rtl="0" eaLnBrk="1" latinLnBrk="0" hangingPunct="1">
         <a:lnSpc>
           <a:spcPct val="90000"/>
         </a:lnSpc>
         <a:spcBef>
-          <a:spcPts val="400"/>
+          <a:spcPts val="316"/>
         </a:spcBef>
         <a:buFont typeface="Arial" panose="020B0604020202020204" pitchFamily="34" charset="0"/>
         <a:buChar char="•"/>
-        <a:defRPr sz="1920" kern="1200">
+        <a:defRPr sz="1518" kern="1200">
           <a:solidFill>
             <a:schemeClr val="tx1"/>
           </a:solidFill>
@@ -3164,16 +2730,16 @@
           <a:cs typeface="+mn-cs"/>
         </a:defRPr>
       </a:lvl2pPr>
-      <a:lvl3pPr marL="914400" indent="-182880" algn="l" defTabSz="731520" rtl="0" eaLnBrk="1" latinLnBrk="0" hangingPunct="1">
+      <a:lvl3pPr marL="723062" indent="-144612" algn="l" defTabSz="578449" rtl="0" eaLnBrk="1" latinLnBrk="0" hangingPunct="1">
         <a:lnSpc>
           <a:spcPct val="90000"/>
         </a:lnSpc>
         <a:spcBef>
-          <a:spcPts val="400"/>
+          <a:spcPts val="316"/>
         </a:spcBef>
         <a:buFont typeface="Arial" panose="020B0604020202020204" pitchFamily="34" charset="0"/>
         <a:buChar char="•"/>
-        <a:defRPr sz="1600" kern="1200">
+        <a:defRPr sz="1265" kern="1200">
           <a:solidFill>
             <a:schemeClr val="tx1"/>
           </a:solidFill>
@@ -3182,16 +2748,16 @@
           <a:cs typeface="+mn-cs"/>
         </a:defRPr>
       </a:lvl3pPr>
-      <a:lvl4pPr marL="1280160" indent="-182880" algn="l" defTabSz="731520" rtl="0" eaLnBrk="1" latinLnBrk="0" hangingPunct="1">
+      <a:lvl4pPr marL="1012287" indent="-144612" algn="l" defTabSz="578449" rtl="0" eaLnBrk="1" latinLnBrk="0" hangingPunct="1">
         <a:lnSpc>
           <a:spcPct val="90000"/>
         </a:lnSpc>
         <a:spcBef>
-          <a:spcPts val="400"/>
+          <a:spcPts val="316"/>
         </a:spcBef>
         <a:buFont typeface="Arial" panose="020B0604020202020204" pitchFamily="34" charset="0"/>
         <a:buChar char="•"/>
-        <a:defRPr sz="1440" kern="1200">
+        <a:defRPr sz="1139" kern="1200">
           <a:solidFill>
             <a:schemeClr val="tx1"/>
           </a:solidFill>
@@ -3200,16 +2766,16 @@
           <a:cs typeface="+mn-cs"/>
         </a:defRPr>
       </a:lvl4pPr>
-      <a:lvl5pPr marL="1645920" indent="-182880" algn="l" defTabSz="731520" rtl="0" eaLnBrk="1" latinLnBrk="0" hangingPunct="1">
+      <a:lvl5pPr marL="1301511" indent="-144612" algn="l" defTabSz="578449" rtl="0" eaLnBrk="1" latinLnBrk="0" hangingPunct="1">
         <a:lnSpc>
           <a:spcPct val="90000"/>
         </a:lnSpc>
         <a:spcBef>
-          <a:spcPts val="400"/>
+          <a:spcPts val="316"/>
         </a:spcBef>
         <a:buFont typeface="Arial" panose="020B0604020202020204" pitchFamily="34" charset="0"/>
         <a:buChar char="•"/>
-        <a:defRPr sz="1440" kern="1200">
+        <a:defRPr sz="1139" kern="1200">
           <a:solidFill>
             <a:schemeClr val="tx1"/>
           </a:solidFill>
@@ -3218,16 +2784,16 @@
           <a:cs typeface="+mn-cs"/>
         </a:defRPr>
       </a:lvl5pPr>
-      <a:lvl6pPr marL="2011680" indent="-182880" algn="l" defTabSz="731520" rtl="0" eaLnBrk="1" latinLnBrk="0" hangingPunct="1">
+      <a:lvl6pPr marL="1590736" indent="-144612" algn="l" defTabSz="578449" rtl="0" eaLnBrk="1" latinLnBrk="0" hangingPunct="1">
         <a:lnSpc>
           <a:spcPct val="90000"/>
         </a:lnSpc>
         <a:spcBef>
-          <a:spcPts val="400"/>
+          <a:spcPts val="316"/>
         </a:spcBef>
         <a:buFont typeface="Arial" panose="020B0604020202020204" pitchFamily="34" charset="0"/>
         <a:buChar char="•"/>
-        <a:defRPr sz="1440" kern="1200">
+        <a:defRPr sz="1139" kern="1200">
           <a:solidFill>
             <a:schemeClr val="tx1"/>
           </a:solidFill>
@@ -3236,16 +2802,16 @@
           <a:cs typeface="+mn-cs"/>
         </a:defRPr>
       </a:lvl6pPr>
-      <a:lvl7pPr marL="2377440" indent="-182880" algn="l" defTabSz="731520" rtl="0" eaLnBrk="1" latinLnBrk="0" hangingPunct="1">
+      <a:lvl7pPr marL="1879961" indent="-144612" algn="l" defTabSz="578449" rtl="0" eaLnBrk="1" latinLnBrk="0" hangingPunct="1">
         <a:lnSpc>
           <a:spcPct val="90000"/>
         </a:lnSpc>
         <a:spcBef>
-          <a:spcPts val="400"/>
+          <a:spcPts val="316"/>
         </a:spcBef>
         <a:buFont typeface="Arial" panose="020B0604020202020204" pitchFamily="34" charset="0"/>
         <a:buChar char="•"/>
-        <a:defRPr sz="1440" kern="1200">
+        <a:defRPr sz="1139" kern="1200">
           <a:solidFill>
             <a:schemeClr val="tx1"/>
           </a:solidFill>
@@ -3254,16 +2820,16 @@
           <a:cs typeface="+mn-cs"/>
         </a:defRPr>
       </a:lvl7pPr>
-      <a:lvl8pPr marL="2743200" indent="-182880" algn="l" defTabSz="731520" rtl="0" eaLnBrk="1" latinLnBrk="0" hangingPunct="1">
+      <a:lvl8pPr marL="2169185" indent="-144612" algn="l" defTabSz="578449" rtl="0" eaLnBrk="1" latinLnBrk="0" hangingPunct="1">
         <a:lnSpc>
           <a:spcPct val="90000"/>
         </a:lnSpc>
         <a:spcBef>
-          <a:spcPts val="400"/>
+          <a:spcPts val="316"/>
         </a:spcBef>
         <a:buFont typeface="Arial" panose="020B0604020202020204" pitchFamily="34" charset="0"/>
         <a:buChar char="•"/>
-        <a:defRPr sz="1440" kern="1200">
+        <a:defRPr sz="1139" kern="1200">
           <a:solidFill>
             <a:schemeClr val="tx1"/>
           </a:solidFill>
@@ -3272,16 +2838,16 @@
           <a:cs typeface="+mn-cs"/>
         </a:defRPr>
       </a:lvl8pPr>
-      <a:lvl9pPr marL="3108960" indent="-182880" algn="l" defTabSz="731520" rtl="0" eaLnBrk="1" latinLnBrk="0" hangingPunct="1">
+      <a:lvl9pPr marL="2458410" indent="-144612" algn="l" defTabSz="578449" rtl="0" eaLnBrk="1" latinLnBrk="0" hangingPunct="1">
         <a:lnSpc>
           <a:spcPct val="90000"/>
         </a:lnSpc>
         <a:spcBef>
-          <a:spcPts val="400"/>
+          <a:spcPts val="316"/>
         </a:spcBef>
         <a:buFont typeface="Arial" panose="020B0604020202020204" pitchFamily="34" charset="0"/>
         <a:buChar char="•"/>
-        <a:defRPr sz="1440" kern="1200">
+        <a:defRPr sz="1139" kern="1200">
           <a:solidFill>
             <a:schemeClr val="tx1"/>
           </a:solidFill>
@@ -3295,8 +2861,8 @@
       <a:defPPr>
         <a:defRPr lang="en-US"/>
       </a:defPPr>
-      <a:lvl1pPr marL="0" algn="l" defTabSz="731520" rtl="0" eaLnBrk="1" latinLnBrk="0" hangingPunct="1">
-        <a:defRPr sz="1440" kern="1200">
+      <a:lvl1pPr marL="0" algn="l" defTabSz="578449" rtl="0" eaLnBrk="1" latinLnBrk="0" hangingPunct="1">
+        <a:defRPr sz="1139" kern="1200">
           <a:solidFill>
             <a:schemeClr val="tx1"/>
           </a:solidFill>
@@ -3305,8 +2871,8 @@
           <a:cs typeface="+mn-cs"/>
         </a:defRPr>
       </a:lvl1pPr>
-      <a:lvl2pPr marL="365760" algn="l" defTabSz="731520" rtl="0" eaLnBrk="1" latinLnBrk="0" hangingPunct="1">
-        <a:defRPr sz="1440" kern="1200">
+      <a:lvl2pPr marL="289225" algn="l" defTabSz="578449" rtl="0" eaLnBrk="1" latinLnBrk="0" hangingPunct="1">
+        <a:defRPr sz="1139" kern="1200">
           <a:solidFill>
             <a:schemeClr val="tx1"/>
           </a:solidFill>
@@ -3315,8 +2881,8 @@
           <a:cs typeface="+mn-cs"/>
         </a:defRPr>
       </a:lvl2pPr>
-      <a:lvl3pPr marL="731520" algn="l" defTabSz="731520" rtl="0" eaLnBrk="1" latinLnBrk="0" hangingPunct="1">
-        <a:defRPr sz="1440" kern="1200">
+      <a:lvl3pPr marL="578449" algn="l" defTabSz="578449" rtl="0" eaLnBrk="1" latinLnBrk="0" hangingPunct="1">
+        <a:defRPr sz="1139" kern="1200">
           <a:solidFill>
             <a:schemeClr val="tx1"/>
           </a:solidFill>
@@ -3325,8 +2891,8 @@
           <a:cs typeface="+mn-cs"/>
         </a:defRPr>
       </a:lvl3pPr>
-      <a:lvl4pPr marL="1097280" algn="l" defTabSz="731520" rtl="0" eaLnBrk="1" latinLnBrk="0" hangingPunct="1">
-        <a:defRPr sz="1440" kern="1200">
+      <a:lvl4pPr marL="867674" algn="l" defTabSz="578449" rtl="0" eaLnBrk="1" latinLnBrk="0" hangingPunct="1">
+        <a:defRPr sz="1139" kern="1200">
           <a:solidFill>
             <a:schemeClr val="tx1"/>
           </a:solidFill>
@@ -3335,8 +2901,8 @@
           <a:cs typeface="+mn-cs"/>
         </a:defRPr>
       </a:lvl4pPr>
-      <a:lvl5pPr marL="1463040" algn="l" defTabSz="731520" rtl="0" eaLnBrk="1" latinLnBrk="0" hangingPunct="1">
-        <a:defRPr sz="1440" kern="1200">
+      <a:lvl5pPr marL="1156899" algn="l" defTabSz="578449" rtl="0" eaLnBrk="1" latinLnBrk="0" hangingPunct="1">
+        <a:defRPr sz="1139" kern="1200">
           <a:solidFill>
             <a:schemeClr val="tx1"/>
           </a:solidFill>
@@ -3345,8 +2911,8 @@
           <a:cs typeface="+mn-cs"/>
         </a:defRPr>
       </a:lvl5pPr>
-      <a:lvl6pPr marL="1828800" algn="l" defTabSz="731520" rtl="0" eaLnBrk="1" latinLnBrk="0" hangingPunct="1">
-        <a:defRPr sz="1440" kern="1200">
+      <a:lvl6pPr marL="1446124" algn="l" defTabSz="578449" rtl="0" eaLnBrk="1" latinLnBrk="0" hangingPunct="1">
+        <a:defRPr sz="1139" kern="1200">
           <a:solidFill>
             <a:schemeClr val="tx1"/>
           </a:solidFill>
@@ -3355,8 +2921,8 @@
           <a:cs typeface="+mn-cs"/>
         </a:defRPr>
       </a:lvl6pPr>
-      <a:lvl7pPr marL="2194560" algn="l" defTabSz="731520" rtl="0" eaLnBrk="1" latinLnBrk="0" hangingPunct="1">
-        <a:defRPr sz="1440" kern="1200">
+      <a:lvl7pPr marL="1735348" algn="l" defTabSz="578449" rtl="0" eaLnBrk="1" latinLnBrk="0" hangingPunct="1">
+        <a:defRPr sz="1139" kern="1200">
           <a:solidFill>
             <a:schemeClr val="tx1"/>
           </a:solidFill>
@@ -3365,8 +2931,8 @@
           <a:cs typeface="+mn-cs"/>
         </a:defRPr>
       </a:lvl7pPr>
-      <a:lvl8pPr marL="2560320" algn="l" defTabSz="731520" rtl="0" eaLnBrk="1" latinLnBrk="0" hangingPunct="1">
-        <a:defRPr sz="1440" kern="1200">
+      <a:lvl8pPr marL="2024573" algn="l" defTabSz="578449" rtl="0" eaLnBrk="1" latinLnBrk="0" hangingPunct="1">
+        <a:defRPr sz="1139" kern="1200">
           <a:solidFill>
             <a:schemeClr val="tx1"/>
           </a:solidFill>
@@ -3375,8 +2941,8 @@
           <a:cs typeface="+mn-cs"/>
         </a:defRPr>
       </a:lvl8pPr>
-      <a:lvl9pPr marL="2926080" algn="l" defTabSz="731520" rtl="0" eaLnBrk="1" latinLnBrk="0" hangingPunct="1">
-        <a:defRPr sz="1440" kern="1200">
+      <a:lvl9pPr marL="2313798" algn="l" defTabSz="578449" rtl="0" eaLnBrk="1" latinLnBrk="0" hangingPunct="1">
+        <a:defRPr sz="1139" kern="1200">
           <a:solidFill>
             <a:schemeClr val="tx1"/>
           </a:solidFill>
@@ -3407,12 +2973,115 @@
           <a:chExt cx="0" cy="0"/>
         </a:xfrm>
       </p:grpSpPr>
+      <p:sp>
+        <p:nvSpPr>
+          <p:cNvPr id="8" name="TextBox 7">
+            <a:extLst>
+              <a:ext uri="{FF2B5EF4-FFF2-40B4-BE49-F238E27FC236}">
+                <a16:creationId xmlns:a16="http://schemas.microsoft.com/office/drawing/2014/main" id="{EA956CE8-16F1-F64F-81C1-ED4DB986C4C9}"/>
+              </a:ext>
+            </a:extLst>
+          </p:cNvPr>
+          <p:cNvSpPr txBox="1"/>
+          <p:nvPr/>
+        </p:nvSpPr>
+        <p:spPr>
+          <a:xfrm>
+            <a:off x="401782" y="196322"/>
+            <a:ext cx="300082" cy="369332"/>
+          </a:xfrm>
+          <a:prstGeom prst="rect">
+            <a:avLst/>
+          </a:prstGeom>
+          <a:noFill/>
+        </p:spPr>
+        <p:txBody>
+          <a:bodyPr wrap="none" rtlCol="0">
+            <a:spAutoFit/>
+          </a:bodyPr>
+          <a:lstStyle/>
+          <a:p>
+            <a:r>
+              <a:rPr lang="en-US" b="1" dirty="0">
+                <a:latin typeface="Times" pitchFamily="2" charset="0"/>
+              </a:rPr>
+              <a:t>a</a:t>
+            </a:r>
+          </a:p>
+        </p:txBody>
+      </p:sp>
+      <p:sp>
+        <p:nvSpPr>
+          <p:cNvPr id="9" name="TextBox 8">
+            <a:extLst>
+              <a:ext uri="{FF2B5EF4-FFF2-40B4-BE49-F238E27FC236}">
+                <a16:creationId xmlns:a16="http://schemas.microsoft.com/office/drawing/2014/main" id="{1CCBC0BC-BE0A-A048-876A-A077BAB3AC4C}"/>
+              </a:ext>
+            </a:extLst>
+          </p:cNvPr>
+          <p:cNvSpPr txBox="1"/>
+          <p:nvPr/>
+        </p:nvSpPr>
+        <p:spPr>
+          <a:xfrm>
+            <a:off x="4572000" y="196322"/>
+            <a:ext cx="312906" cy="369332"/>
+          </a:xfrm>
+          <a:prstGeom prst="rect">
+            <a:avLst/>
+          </a:prstGeom>
+          <a:noFill/>
+        </p:spPr>
+        <p:txBody>
+          <a:bodyPr wrap="none" rtlCol="0">
+            <a:spAutoFit/>
+          </a:bodyPr>
+          <a:lstStyle/>
+          <a:p>
+            <a:r>
+              <a:rPr lang="en-US" b="1" dirty="0">
+                <a:latin typeface="Times" pitchFamily="2" charset="0"/>
+              </a:rPr>
+              <a:t>b</a:t>
+            </a:r>
+          </a:p>
+        </p:txBody>
+      </p:sp>
       <p:pic>
         <p:nvPicPr>
-          <p:cNvPr id="16" name="Picture 15">
+          <p:cNvPr id="3" name="Picture 2">
             <a:extLst>
               <a:ext uri="{FF2B5EF4-FFF2-40B4-BE49-F238E27FC236}">
-                <a16:creationId xmlns:a16="http://schemas.microsoft.com/office/drawing/2014/main" id="{DC0A327A-72A2-8A4E-AA75-47521B74E357}"/>
+                <a16:creationId xmlns:a16="http://schemas.microsoft.com/office/drawing/2014/main" id="{CF950C4A-3F7F-E843-B1BE-025B3263A085}"/>
+              </a:ext>
+            </a:extLst>
+          </p:cNvPr>
+          <p:cNvPicPr>
+            <a:picLocks noChangeAspect="1"/>
+          </p:cNvPicPr>
+          <p:nvPr/>
+        </p:nvPicPr>
+        <p:blipFill>
+          <a:blip r:embed="rId2"/>
+          <a:srcRect/>
+          <a:stretch/>
+        </p:blipFill>
+        <p:spPr>
+          <a:xfrm>
+            <a:off x="110837" y="565654"/>
+            <a:ext cx="4840273" cy="3226848"/>
+          </a:xfrm>
+          <a:prstGeom prst="rect">
+            <a:avLst/>
+          </a:prstGeom>
+        </p:spPr>
+      </p:pic>
+      <p:pic>
+        <p:nvPicPr>
+          <p:cNvPr id="6" name="Picture 5">
+            <a:extLst>
+              <a:ext uri="{FF2B5EF4-FFF2-40B4-BE49-F238E27FC236}">
+                <a16:creationId xmlns:a16="http://schemas.microsoft.com/office/drawing/2014/main" id="{6DAF4E47-07E4-1646-AF9E-C38203A71F17}"/>
               </a:ext>
             </a:extLst>
           </p:cNvPr>
@@ -3428,315 +3097,18 @@
         </p:blipFill>
         <p:spPr>
           <a:xfrm>
-            <a:off x="34144" y="6457846"/>
-            <a:ext cx="3934933" cy="2623289"/>
+            <a:off x="4192892" y="565657"/>
+            <a:ext cx="4840273" cy="3226848"/>
           </a:xfrm>
           <a:prstGeom prst="rect">
             <a:avLst/>
           </a:prstGeom>
         </p:spPr>
       </p:pic>
-      <p:pic>
-        <p:nvPicPr>
-          <p:cNvPr id="21" name="Picture 20">
-            <a:extLst>
-              <a:ext uri="{FF2B5EF4-FFF2-40B4-BE49-F238E27FC236}">
-                <a16:creationId xmlns:a16="http://schemas.microsoft.com/office/drawing/2014/main" id="{1873EE34-89B9-4744-B4F8-C5197AAD4285}"/>
-              </a:ext>
-            </a:extLst>
-          </p:cNvPr>
-          <p:cNvPicPr>
-            <a:picLocks noChangeAspect="1"/>
-          </p:cNvPicPr>
-          <p:nvPr/>
-        </p:nvPicPr>
-        <p:blipFill>
-          <a:blip r:embed="rId4"/>
-          <a:srcRect/>
-          <a:stretch/>
-        </p:blipFill>
-        <p:spPr>
-          <a:xfrm>
-            <a:off x="3380019" y="6457846"/>
-            <a:ext cx="3934933" cy="2623289"/>
-          </a:xfrm>
-          <a:prstGeom prst="rect">
-            <a:avLst/>
-          </a:prstGeom>
-        </p:spPr>
-      </p:pic>
-      <p:pic>
-        <p:nvPicPr>
-          <p:cNvPr id="10" name="Picture 9">
-            <a:extLst>
-              <a:ext uri="{FF2B5EF4-FFF2-40B4-BE49-F238E27FC236}">
-                <a16:creationId xmlns:a16="http://schemas.microsoft.com/office/drawing/2014/main" id="{BFF5090F-A359-3F4C-9818-46BB23A8F78A}"/>
-              </a:ext>
-            </a:extLst>
-          </p:cNvPr>
-          <p:cNvPicPr>
-            <a:picLocks noChangeAspect="1"/>
-          </p:cNvPicPr>
-          <p:nvPr/>
-        </p:nvPicPr>
-        <p:blipFill>
-          <a:blip r:embed="rId5"/>
-          <a:srcRect/>
-          <a:stretch/>
-        </p:blipFill>
-        <p:spPr>
-          <a:xfrm>
-            <a:off x="34068" y="3575695"/>
-            <a:ext cx="4035182" cy="2690120"/>
-          </a:xfrm>
-          <a:prstGeom prst="rect">
-            <a:avLst/>
-          </a:prstGeom>
-        </p:spPr>
-      </p:pic>
-      <p:sp>
-        <p:nvSpPr>
-          <p:cNvPr id="18" name="TextBox 17">
-            <a:extLst>
-              <a:ext uri="{FF2B5EF4-FFF2-40B4-BE49-F238E27FC236}">
-                <a16:creationId xmlns:a16="http://schemas.microsoft.com/office/drawing/2014/main" id="{57FA0F46-ACD1-D14D-83AC-8E49624F4AAC}"/>
-              </a:ext>
-            </a:extLst>
-          </p:cNvPr>
-          <p:cNvSpPr txBox="1"/>
-          <p:nvPr/>
-        </p:nvSpPr>
-        <p:spPr>
-          <a:xfrm>
-            <a:off x="580779" y="3623820"/>
-            <a:ext cx="413896" cy="646331"/>
-          </a:xfrm>
-          <a:prstGeom prst="rect">
-            <a:avLst/>
-          </a:prstGeom>
-          <a:noFill/>
-        </p:spPr>
-        <p:txBody>
-          <a:bodyPr wrap="none" rtlCol="0">
-            <a:spAutoFit/>
-          </a:bodyPr>
-          <a:lstStyle/>
-          <a:p>
-            <a:r>
-              <a:rPr lang="en-US" sz="3600" dirty="0">
-                <a:solidFill>
-                  <a:srgbClr val="FF0000"/>
-                </a:solidFill>
-              </a:rPr>
-              <a:t>*</a:t>
-            </a:r>
-          </a:p>
-        </p:txBody>
-      </p:sp>
-      <p:sp>
-        <p:nvSpPr>
-          <p:cNvPr id="19" name="TextBox 18">
-            <a:extLst>
-              <a:ext uri="{FF2B5EF4-FFF2-40B4-BE49-F238E27FC236}">
-                <a16:creationId xmlns:a16="http://schemas.microsoft.com/office/drawing/2014/main" id="{EE4BDCCD-73A8-694E-B9E3-E0778171F3D6}"/>
-              </a:ext>
-            </a:extLst>
-          </p:cNvPr>
-          <p:cNvSpPr txBox="1"/>
-          <p:nvPr/>
-        </p:nvSpPr>
-        <p:spPr>
-          <a:xfrm>
-            <a:off x="3762129" y="6457847"/>
-            <a:ext cx="413896" cy="646331"/>
-          </a:xfrm>
-          <a:prstGeom prst="rect">
-            <a:avLst/>
-          </a:prstGeom>
-          <a:noFill/>
-        </p:spPr>
-        <p:txBody>
-          <a:bodyPr wrap="none" rtlCol="0">
-            <a:spAutoFit/>
-          </a:bodyPr>
-          <a:lstStyle/>
-          <a:p>
-            <a:r>
-              <a:rPr lang="en-US" sz="3600" dirty="0">
-                <a:solidFill>
-                  <a:srgbClr val="FF0000"/>
-                </a:solidFill>
-              </a:rPr>
-              <a:t>*</a:t>
-            </a:r>
-          </a:p>
-        </p:txBody>
-      </p:sp>
-      <p:pic>
-        <p:nvPicPr>
-          <p:cNvPr id="3" name="Picture 2">
-            <a:extLst>
-              <a:ext uri="{FF2B5EF4-FFF2-40B4-BE49-F238E27FC236}">
-                <a16:creationId xmlns:a16="http://schemas.microsoft.com/office/drawing/2014/main" id="{0E848F82-2BED-9C43-BB97-E6F31672CC09}"/>
-              </a:ext>
-            </a:extLst>
-          </p:cNvPr>
-          <p:cNvPicPr>
-            <a:picLocks noChangeAspect="1"/>
-          </p:cNvPicPr>
-          <p:nvPr/>
-        </p:nvPicPr>
-        <p:blipFill>
-          <a:blip r:embed="rId6"/>
-          <a:srcRect/>
-          <a:stretch/>
-        </p:blipFill>
-        <p:spPr>
-          <a:xfrm>
-            <a:off x="34144" y="752091"/>
-            <a:ext cx="3858009" cy="2572005"/>
-          </a:xfrm>
-          <a:prstGeom prst="rect">
-            <a:avLst/>
-          </a:prstGeom>
-        </p:spPr>
-      </p:pic>
-      <p:pic>
-        <p:nvPicPr>
-          <p:cNvPr id="6" name="Picture 5">
-            <a:extLst>
-              <a:ext uri="{FF2B5EF4-FFF2-40B4-BE49-F238E27FC236}">
-                <a16:creationId xmlns:a16="http://schemas.microsoft.com/office/drawing/2014/main" id="{71BD7C0D-F699-8042-B19B-43F17DE3B8D4}"/>
-              </a:ext>
-            </a:extLst>
-          </p:cNvPr>
-          <p:cNvPicPr>
-            <a:picLocks noChangeAspect="1"/>
-          </p:cNvPicPr>
-          <p:nvPr/>
-        </p:nvPicPr>
-        <p:blipFill>
-          <a:blip r:embed="rId7"/>
-          <a:srcRect/>
-          <a:stretch/>
-        </p:blipFill>
-        <p:spPr>
-          <a:xfrm>
-            <a:off x="3456944" y="752751"/>
-            <a:ext cx="3858009" cy="2572006"/>
-          </a:xfrm>
-          <a:prstGeom prst="rect">
-            <a:avLst/>
-          </a:prstGeom>
-        </p:spPr>
-      </p:pic>
-      <p:pic>
-        <p:nvPicPr>
-          <p:cNvPr id="14" name="Picture 13">
-            <a:extLst>
-              <a:ext uri="{FF2B5EF4-FFF2-40B4-BE49-F238E27FC236}">
-                <a16:creationId xmlns:a16="http://schemas.microsoft.com/office/drawing/2014/main" id="{6AEAC9AA-078C-FA4F-BD89-F07328922858}"/>
-              </a:ext>
-            </a:extLst>
-          </p:cNvPr>
-          <p:cNvPicPr>
-            <a:picLocks noChangeAspect="1"/>
-          </p:cNvPicPr>
-          <p:nvPr/>
-        </p:nvPicPr>
-        <p:blipFill>
-          <a:blip r:embed="rId8"/>
-          <a:srcRect/>
-          <a:stretch/>
-        </p:blipFill>
-        <p:spPr>
-          <a:xfrm>
-            <a:off x="3280019" y="3560182"/>
-            <a:ext cx="4035182" cy="2690121"/>
-          </a:xfrm>
-          <a:prstGeom prst="rect">
-            <a:avLst/>
-          </a:prstGeom>
-        </p:spPr>
-      </p:pic>
-      <p:sp>
-        <p:nvSpPr>
-          <p:cNvPr id="22" name="TextBox 21">
-            <a:extLst>
-              <a:ext uri="{FF2B5EF4-FFF2-40B4-BE49-F238E27FC236}">
-                <a16:creationId xmlns:a16="http://schemas.microsoft.com/office/drawing/2014/main" id="{353E5647-79F8-264B-A841-0E24399557E3}"/>
-              </a:ext>
-            </a:extLst>
-          </p:cNvPr>
-          <p:cNvSpPr txBox="1"/>
-          <p:nvPr/>
-        </p:nvSpPr>
-        <p:spPr>
-          <a:xfrm>
-            <a:off x="1304679" y="382759"/>
-            <a:ext cx="1518364" cy="369332"/>
-          </a:xfrm>
-          <a:prstGeom prst="rect">
-            <a:avLst/>
-          </a:prstGeom>
-          <a:noFill/>
-        </p:spPr>
-        <p:txBody>
-          <a:bodyPr wrap="none" rtlCol="0">
-            <a:spAutoFit/>
-          </a:bodyPr>
-          <a:lstStyle/>
-          <a:p>
-            <a:r>
-              <a:rPr lang="en-US" dirty="0">
-                <a:latin typeface="Times" pitchFamily="2" charset="0"/>
-              </a:rPr>
-              <a:t>DISPERSION</a:t>
-            </a:r>
-          </a:p>
-        </p:txBody>
-      </p:sp>
-      <p:sp>
-        <p:nvSpPr>
-          <p:cNvPr id="23" name="TextBox 22">
-            <a:extLst>
-              <a:ext uri="{FF2B5EF4-FFF2-40B4-BE49-F238E27FC236}">
-                <a16:creationId xmlns:a16="http://schemas.microsoft.com/office/drawing/2014/main" id="{B37027E0-8E78-D741-B22F-14F102A9B337}"/>
-              </a:ext>
-            </a:extLst>
-          </p:cNvPr>
-          <p:cNvSpPr txBox="1"/>
-          <p:nvPr/>
-        </p:nvSpPr>
-        <p:spPr>
-          <a:xfrm>
-            <a:off x="4492157" y="382759"/>
-            <a:ext cx="1602555" cy="369332"/>
-          </a:xfrm>
-          <a:prstGeom prst="rect">
-            <a:avLst/>
-          </a:prstGeom>
-          <a:noFill/>
-        </p:spPr>
-        <p:txBody>
-          <a:bodyPr wrap="none" rtlCol="0">
-            <a:spAutoFit/>
-          </a:bodyPr>
-          <a:lstStyle/>
-          <a:p>
-            <a:r>
-              <a:rPr lang="en-US" dirty="0">
-                <a:latin typeface="Times" pitchFamily="2" charset="0"/>
-              </a:rPr>
-              <a:t>INSTABILITY</a:t>
-            </a:r>
-          </a:p>
-        </p:txBody>
-      </p:sp>
     </p:spTree>
     <p:extLst>
       <p:ext uri="{BB962C8B-B14F-4D97-AF65-F5344CB8AC3E}">
-        <p14:creationId xmlns:p14="http://schemas.microsoft.com/office/powerpoint/2010/main" val="3356533017"/>
+        <p14:creationId xmlns:p14="http://schemas.microsoft.com/office/powerpoint/2010/main" val="4057899514"/>
       </p:ext>
     </p:extLst>
   </p:cSld>
@@ -4005,299 +3377,4 @@
     </a:ext>
   </a:extLst>
 </a:theme>
-</file>
-
-<file path=ppt/theme/theme2.xml><?xml version="1.0" encoding="utf-8"?>
-<a:theme xmlns:a="http://schemas.openxmlformats.org/drawingml/2006/main" name="Office Theme">
-  <a:themeElements>
-    <a:clrScheme name="Office">
-      <a:dk1>
-        <a:sysClr val="windowText" lastClr="000000"/>
-      </a:dk1>
-      <a:lt1>
-        <a:sysClr val="window" lastClr="FFFFFF"/>
-      </a:lt1>
-      <a:dk2>
-        <a:srgbClr val="44546A"/>
-      </a:dk2>
-      <a:lt2>
-        <a:srgbClr val="E7E6E6"/>
-      </a:lt2>
-      <a:accent1>
-        <a:srgbClr val="4472C4"/>
-      </a:accent1>
-      <a:accent2>
-        <a:srgbClr val="ED7D31"/>
-      </a:accent2>
-      <a:accent3>
-        <a:srgbClr val="A5A5A5"/>
-      </a:accent3>
-      <a:accent4>
-        <a:srgbClr val="FFC000"/>
-      </a:accent4>
-      <a:accent5>
-        <a:srgbClr val="5B9BD5"/>
-      </a:accent5>
-      <a:accent6>
-        <a:srgbClr val="70AD47"/>
-      </a:accent6>
-      <a:hlink>
-        <a:srgbClr val="0563C1"/>
-      </a:hlink>
-      <a:folHlink>
-        <a:srgbClr val="954F72"/>
-      </a:folHlink>
-    </a:clrScheme>
-    <a:fontScheme name="Office">
-      <a:majorFont>
-        <a:latin typeface="Calibri Light" panose="020F0302020204030204"/>
-        <a:ea typeface=""/>
-        <a:cs typeface=""/>
-        <a:font script="Jpan" typeface="游ゴシック Light"/>
-        <a:font script="Hang" typeface="맑은 고딕"/>
-        <a:font script="Hans" typeface="等线 Light"/>
-        <a:font script="Hant" typeface="新細明體"/>
-        <a:font script="Arab" typeface="Times New Roman"/>
-        <a:font script="Hebr" typeface="Times New Roman"/>
-        <a:font script="Thai" typeface="Angsana New"/>
-        <a:font script="Ethi" typeface="Nyala"/>
-        <a:font script="Beng" typeface="Vrinda"/>
-        <a:font script="Gujr" typeface="Shruti"/>
-        <a:font script="Khmr" typeface="MoolBoran"/>
-        <a:font script="Knda" typeface="Tunga"/>
-        <a:font script="Guru" typeface="Raavi"/>
-        <a:font script="Cans" typeface="Euphemia"/>
-        <a:font script="Cher" typeface="Plantagenet Cherokee"/>
-        <a:font script="Yiii" typeface="Microsoft Yi Baiti"/>
-        <a:font script="Tibt" typeface="Microsoft Himalaya"/>
-        <a:font script="Thaa" typeface="MV Boli"/>
-        <a:font script="Deva" typeface="Mangal"/>
-        <a:font script="Telu" typeface="Gautami"/>
-        <a:font script="Taml" typeface="Latha"/>
-        <a:font script="Syrc" typeface="Estrangelo Edessa"/>
-        <a:font script="Orya" typeface="Kalinga"/>
-        <a:font script="Mlym" typeface="Kartika"/>
-        <a:font script="Laoo" typeface="DokChampa"/>
-        <a:font script="Sinh" typeface="Iskoola Pota"/>
-        <a:font script="Mong" typeface="Mongolian Baiti"/>
-        <a:font script="Viet" typeface="Times New Roman"/>
-        <a:font script="Uigh" typeface="Microsoft Uighur"/>
-        <a:font script="Geor" typeface="Sylfaen"/>
-        <a:font script="Armn" typeface="Arial"/>
-        <a:font script="Bugi" typeface="Leelawadee UI"/>
-        <a:font script="Bopo" typeface="Microsoft JhengHei"/>
-        <a:font script="Java" typeface="Javanese Text"/>
-        <a:font script="Lisu" typeface="Segoe UI"/>
-        <a:font script="Mymr" typeface="Myanmar Text"/>
-        <a:font script="Nkoo" typeface="Ebrima"/>
-        <a:font script="Olck" typeface="Nirmala UI"/>
-        <a:font script="Osma" typeface="Ebrima"/>
-        <a:font script="Phag" typeface="Phagspa"/>
-        <a:font script="Syrn" typeface="Estrangelo Edessa"/>
-        <a:font script="Syrj" typeface="Estrangelo Edessa"/>
-        <a:font script="Syre" typeface="Estrangelo Edessa"/>
-        <a:font script="Sora" typeface="Nirmala UI"/>
-        <a:font script="Tale" typeface="Microsoft Tai Le"/>
-        <a:font script="Talu" typeface="Microsoft New Tai Lue"/>
-        <a:font script="Tfng" typeface="Ebrima"/>
-      </a:majorFont>
-      <a:minorFont>
-        <a:latin typeface="Calibri" panose="020F0502020204030204"/>
-        <a:ea typeface=""/>
-        <a:cs typeface=""/>
-        <a:font script="Jpan" typeface="游ゴシック"/>
-        <a:font script="Hang" typeface="맑은 고딕"/>
-        <a:font script="Hans" typeface="等线"/>
-        <a:font script="Hant" typeface="新細明體"/>
-        <a:font script="Arab" typeface="Arial"/>
-        <a:font script="Hebr" typeface="Arial"/>
-        <a:font script="Thai" typeface="Cordia New"/>
-        <a:font script="Ethi" typeface="Nyala"/>
-        <a:font script="Beng" typeface="Vrinda"/>
-        <a:font script="Gujr" typeface="Shruti"/>
-        <a:font script="Khmr" typeface="DaunPenh"/>
-        <a:font script="Knda" typeface="Tunga"/>
-        <a:font script="Guru" typeface="Raavi"/>
-        <a:font script="Cans" typeface="Euphemia"/>
-        <a:font script="Cher" typeface="Plantagenet Cherokee"/>
-        <a:font script="Yiii" typeface="Microsoft Yi Baiti"/>
-        <a:font script="Tibt" typeface="Microsoft Himalaya"/>
-        <a:font script="Thaa" typeface="MV Boli"/>
-        <a:font script="Deva" typeface="Mangal"/>
-        <a:font script="Telu" typeface="Gautami"/>
-        <a:font script="Taml" typeface="Latha"/>
-        <a:font script="Syrc" typeface="Estrangelo Edessa"/>
-        <a:font script="Orya" typeface="Kalinga"/>
-        <a:font script="Mlym" typeface="Kartika"/>
-        <a:font script="Laoo" typeface="DokChampa"/>
-        <a:font script="Sinh" typeface="Iskoola Pota"/>
-        <a:font script="Mong" typeface="Mongolian Baiti"/>
-        <a:font script="Viet" typeface="Arial"/>
-        <a:font script="Uigh" typeface="Microsoft Uighur"/>
-        <a:font script="Geor" typeface="Sylfaen"/>
-        <a:font script="Armn" typeface="Arial"/>
-        <a:font script="Bugi" typeface="Leelawadee UI"/>
-        <a:font script="Bopo" typeface="Microsoft JhengHei"/>
-        <a:font script="Java" typeface="Javanese Text"/>
-        <a:font script="Lisu" typeface="Segoe UI"/>
-        <a:font script="Mymr" typeface="Myanmar Text"/>
-        <a:font script="Nkoo" typeface="Ebrima"/>
-        <a:font script="Olck" typeface="Nirmala UI"/>
-        <a:font script="Osma" typeface="Ebrima"/>
-        <a:font script="Phag" typeface="Phagspa"/>
-        <a:font script="Syrn" typeface="Estrangelo Edessa"/>
-        <a:font script="Syrj" typeface="Estrangelo Edessa"/>
-        <a:font script="Syre" typeface="Estrangelo Edessa"/>
-        <a:font script="Sora" typeface="Nirmala UI"/>
-        <a:font script="Tale" typeface="Microsoft Tai Le"/>
-        <a:font script="Talu" typeface="Microsoft New Tai Lue"/>
-        <a:font script="Tfng" typeface="Ebrima"/>
-      </a:minorFont>
-    </a:fontScheme>
-    <a:fmtScheme name="Office">
-      <a:fillStyleLst>
-        <a:solidFill>
-          <a:schemeClr val="phClr"/>
-        </a:solidFill>
-        <a:gradFill rotWithShape="1">
-          <a:gsLst>
-            <a:gs pos="0">
-              <a:schemeClr val="phClr">
-                <a:lumMod val="110000"/>
-                <a:satMod val="105000"/>
-                <a:tint val="67000"/>
-              </a:schemeClr>
-            </a:gs>
-            <a:gs pos="50000">
-              <a:schemeClr val="phClr">
-                <a:lumMod val="105000"/>
-                <a:satMod val="103000"/>
-                <a:tint val="73000"/>
-              </a:schemeClr>
-            </a:gs>
-            <a:gs pos="100000">
-              <a:schemeClr val="phClr">
-                <a:lumMod val="105000"/>
-                <a:satMod val="109000"/>
-                <a:tint val="81000"/>
-              </a:schemeClr>
-            </a:gs>
-          </a:gsLst>
-          <a:lin ang="5400000" scaled="0"/>
-        </a:gradFill>
-        <a:gradFill rotWithShape="1">
-          <a:gsLst>
-            <a:gs pos="0">
-              <a:schemeClr val="phClr">
-                <a:satMod val="103000"/>
-                <a:lumMod val="102000"/>
-                <a:tint val="94000"/>
-              </a:schemeClr>
-            </a:gs>
-            <a:gs pos="50000">
-              <a:schemeClr val="phClr">
-                <a:satMod val="110000"/>
-                <a:lumMod val="100000"/>
-                <a:shade val="100000"/>
-              </a:schemeClr>
-            </a:gs>
-            <a:gs pos="100000">
-              <a:schemeClr val="phClr">
-                <a:lumMod val="99000"/>
-                <a:satMod val="120000"/>
-                <a:shade val="78000"/>
-              </a:schemeClr>
-            </a:gs>
-          </a:gsLst>
-          <a:lin ang="5400000" scaled="0"/>
-        </a:gradFill>
-      </a:fillStyleLst>
-      <a:lnStyleLst>
-        <a:ln w="6350" cap="flat" cmpd="sng" algn="ctr">
-          <a:solidFill>
-            <a:schemeClr val="phClr"/>
-          </a:solidFill>
-          <a:prstDash val="solid"/>
-          <a:miter lim="800000"/>
-        </a:ln>
-        <a:ln w="12700" cap="flat" cmpd="sng" algn="ctr">
-          <a:solidFill>
-            <a:schemeClr val="phClr"/>
-          </a:solidFill>
-          <a:prstDash val="solid"/>
-          <a:miter lim="800000"/>
-        </a:ln>
-        <a:ln w="19050" cap="flat" cmpd="sng" algn="ctr">
-          <a:solidFill>
-            <a:schemeClr val="phClr"/>
-          </a:solidFill>
-          <a:prstDash val="solid"/>
-          <a:miter lim="800000"/>
-        </a:ln>
-      </a:lnStyleLst>
-      <a:effectStyleLst>
-        <a:effectStyle>
-          <a:effectLst/>
-        </a:effectStyle>
-        <a:effectStyle>
-          <a:effectLst/>
-        </a:effectStyle>
-        <a:effectStyle>
-          <a:effectLst>
-            <a:outerShdw blurRad="57150" dist="19050" dir="5400000" algn="ctr" rotWithShape="0">
-              <a:srgbClr val="000000">
-                <a:alpha val="63000"/>
-              </a:srgbClr>
-            </a:outerShdw>
-          </a:effectLst>
-        </a:effectStyle>
-      </a:effectStyleLst>
-      <a:bgFillStyleLst>
-        <a:solidFill>
-          <a:schemeClr val="phClr"/>
-        </a:solidFill>
-        <a:solidFill>
-          <a:schemeClr val="phClr">
-            <a:tint val="95000"/>
-            <a:satMod val="170000"/>
-          </a:schemeClr>
-        </a:solidFill>
-        <a:gradFill rotWithShape="1">
-          <a:gsLst>
-            <a:gs pos="0">
-              <a:schemeClr val="phClr">
-                <a:tint val="93000"/>
-                <a:satMod val="150000"/>
-                <a:shade val="98000"/>
-                <a:lumMod val="102000"/>
-              </a:schemeClr>
-            </a:gs>
-            <a:gs pos="50000">
-              <a:schemeClr val="phClr">
-                <a:tint val="98000"/>
-                <a:satMod val="130000"/>
-                <a:shade val="90000"/>
-                <a:lumMod val="103000"/>
-              </a:schemeClr>
-            </a:gs>
-            <a:gs pos="100000">
-              <a:schemeClr val="phClr">
-                <a:shade val="63000"/>
-                <a:satMod val="120000"/>
-              </a:schemeClr>
-            </a:gs>
-          </a:gsLst>
-          <a:lin ang="5400000" scaled="0"/>
-        </a:gradFill>
-      </a:bgFillStyleLst>
-    </a:fmtScheme>
-  </a:themeElements>
-  <a:objectDefaults/>
-  <a:extraClrSchemeLst/>
-  <a:extLst>
-    <a:ext uri="{05A4C25C-085E-4340-85A3-A5531E510DB2}">
-      <thm15:themeFamily xmlns:thm15="http://schemas.microsoft.com/office/thememl/2012/main" name="Office Theme" id="{62F939B6-93AF-4DB8-9C6B-D6C7DFDC589F}" vid="{4A3C46E8-61CC-4603-A589-7422A47A8E4A}"/>
-    </a:ext>
-  </a:extLst>
-</a:theme>
 </file>